--- a/files/tools/ppt/Introduction to Human Centered Design (Exercise)_FacilitationDeck.pptx
+++ b/files/tools/ppt/Introduction to Human Centered Design (Exercise)_FacilitationDeck.pptx
@@ -864,7 +864,7 @@
   <p:cSld>
     <p:spTree>
       <p:nvGrpSpPr>
-        <p:cNvPr id="168" name="Shape 168"/>
+        <p:cNvPr id="159" name="Shape 159"/>
         <p:cNvGrpSpPr/>
         <p:nvPr/>
       </p:nvGrpSpPr>
@@ -878,7 +878,7 @@
       </p:grpSpPr>
       <p:sp>
         <p:nvSpPr>
-          <p:cNvPr id="169" name="Google Shape;169;g62a292b1e1_0_183:notes"/>
+          <p:cNvPr id="160" name="Google Shape;160;g62a292b1e1_0_183:notes"/>
           <p:cNvSpPr/>
           <p:nvPr>
             <p:ph idx="2" type="sldImg"/>
@@ -913,7 +913,7 @@
       </p:sp>
       <p:sp>
         <p:nvSpPr>
-          <p:cNvPr id="170" name="Google Shape;170;g62a292b1e1_0_183:notes"/>
+          <p:cNvPr id="161" name="Google Shape;161;g62a292b1e1_0_183:notes"/>
           <p:cNvSpPr txBox="1"/>
           <p:nvPr>
             <p:ph idx="1" type="body"/>
@@ -977,7 +977,7 @@
   <p:cSld>
     <p:spTree>
       <p:nvGrpSpPr>
-        <p:cNvPr id="179" name="Shape 179"/>
+        <p:cNvPr id="169" name="Shape 169"/>
         <p:cNvGrpSpPr/>
         <p:nvPr/>
       </p:nvGrpSpPr>
@@ -991,7 +991,7 @@
       </p:grpSpPr>
       <p:sp>
         <p:nvSpPr>
-          <p:cNvPr id="180" name="Google Shape;180;g62a292b1e1_0_193:notes"/>
+          <p:cNvPr id="170" name="Google Shape;170;g62a292b1e1_0_193:notes"/>
           <p:cNvSpPr/>
           <p:nvPr>
             <p:ph idx="2" type="sldImg"/>
@@ -1026,7 +1026,7 @@
       </p:sp>
       <p:sp>
         <p:nvSpPr>
-          <p:cNvPr id="181" name="Google Shape;181;g62a292b1e1_0_193:notes"/>
+          <p:cNvPr id="171" name="Google Shape;171;g62a292b1e1_0_193:notes"/>
           <p:cNvSpPr txBox="1"/>
           <p:nvPr>
             <p:ph idx="1" type="body"/>
@@ -1090,7 +1090,7 @@
   <p:cSld>
     <p:spTree>
       <p:nvGrpSpPr>
-        <p:cNvPr id="192" name="Shape 192"/>
+        <p:cNvPr id="181" name="Shape 181"/>
         <p:cNvGrpSpPr/>
         <p:nvPr/>
       </p:nvGrpSpPr>
@@ -1104,7 +1104,7 @@
       </p:grpSpPr>
       <p:sp>
         <p:nvSpPr>
-          <p:cNvPr id="193" name="Google Shape;193;g62a292b1e1_0_208:notes"/>
+          <p:cNvPr id="182" name="Google Shape;182;g62a292b1e1_0_208:notes"/>
           <p:cNvSpPr/>
           <p:nvPr>
             <p:ph idx="2" type="sldImg"/>
@@ -1139,7 +1139,7 @@
       </p:sp>
       <p:sp>
         <p:nvSpPr>
-          <p:cNvPr id="194" name="Google Shape;194;g62a292b1e1_0_208:notes"/>
+          <p:cNvPr id="183" name="Google Shape;183;g62a292b1e1_0_208:notes"/>
           <p:cNvSpPr txBox="1"/>
           <p:nvPr>
             <p:ph idx="1" type="body"/>
@@ -1203,7 +1203,7 @@
   <p:cSld>
     <p:spTree>
       <p:nvGrpSpPr>
-        <p:cNvPr id="206" name="Shape 206"/>
+        <p:cNvPr id="194" name="Shape 194"/>
         <p:cNvGrpSpPr/>
         <p:nvPr/>
       </p:nvGrpSpPr>
@@ -1217,7 +1217,7 @@
       </p:grpSpPr>
       <p:sp>
         <p:nvSpPr>
-          <p:cNvPr id="207" name="Google Shape;207;g62a292b1e1_0_225:notes"/>
+          <p:cNvPr id="195" name="Google Shape;195;g62a292b1e1_0_225:notes"/>
           <p:cNvSpPr/>
           <p:nvPr>
             <p:ph idx="2" type="sldImg"/>
@@ -1252,7 +1252,7 @@
       </p:sp>
       <p:sp>
         <p:nvSpPr>
-          <p:cNvPr id="208" name="Google Shape;208;g62a292b1e1_0_225:notes"/>
+          <p:cNvPr id="196" name="Google Shape;196;g62a292b1e1_0_225:notes"/>
           <p:cNvSpPr txBox="1"/>
           <p:nvPr>
             <p:ph idx="1" type="body"/>
@@ -1316,7 +1316,7 @@
   <p:cSld>
     <p:spTree>
       <p:nvGrpSpPr>
-        <p:cNvPr id="219" name="Shape 219"/>
+        <p:cNvPr id="206" name="Shape 206"/>
         <p:cNvGrpSpPr/>
         <p:nvPr/>
       </p:nvGrpSpPr>
@@ -1330,7 +1330,7 @@
       </p:grpSpPr>
       <p:sp>
         <p:nvSpPr>
-          <p:cNvPr id="220" name="Google Shape;220;g62a292b1e1_0_239:notes"/>
+          <p:cNvPr id="207" name="Google Shape;207;g62a292b1e1_0_239:notes"/>
           <p:cNvSpPr/>
           <p:nvPr>
             <p:ph idx="2" type="sldImg"/>
@@ -1365,7 +1365,7 @@
       </p:sp>
       <p:sp>
         <p:nvSpPr>
-          <p:cNvPr id="221" name="Google Shape;221;g62a292b1e1_0_239:notes"/>
+          <p:cNvPr id="208" name="Google Shape;208;g62a292b1e1_0_239:notes"/>
           <p:cNvSpPr txBox="1"/>
           <p:nvPr>
             <p:ph idx="1" type="body"/>
@@ -1429,7 +1429,7 @@
   <p:cSld>
     <p:spTree>
       <p:nvGrpSpPr>
-        <p:cNvPr id="230" name="Shape 230"/>
+        <p:cNvPr id="216" name="Shape 216"/>
         <p:cNvGrpSpPr/>
         <p:nvPr/>
       </p:nvGrpSpPr>
@@ -1443,7 +1443,7 @@
       </p:grpSpPr>
       <p:sp>
         <p:nvSpPr>
-          <p:cNvPr id="231" name="Google Shape;231;g62a292b1e1_0_249:notes"/>
+          <p:cNvPr id="217" name="Google Shape;217;g62a292b1e1_0_249:notes"/>
           <p:cNvSpPr/>
           <p:nvPr>
             <p:ph idx="2" type="sldImg"/>
@@ -1478,7 +1478,7 @@
       </p:sp>
       <p:sp>
         <p:nvSpPr>
-          <p:cNvPr id="232" name="Google Shape;232;g62a292b1e1_0_249:notes"/>
+          <p:cNvPr id="218" name="Google Shape;218;g62a292b1e1_0_249:notes"/>
           <p:cNvSpPr txBox="1"/>
           <p:nvPr>
             <p:ph idx="1" type="body"/>
@@ -1542,7 +1542,7 @@
   <p:cSld>
     <p:spTree>
       <p:nvGrpSpPr>
-        <p:cNvPr id="243" name="Shape 243"/>
+        <p:cNvPr id="228" name="Shape 228"/>
         <p:cNvGrpSpPr/>
         <p:nvPr/>
       </p:nvGrpSpPr>
@@ -1556,7 +1556,7 @@
       </p:grpSpPr>
       <p:sp>
         <p:nvSpPr>
-          <p:cNvPr id="244" name="Google Shape;244;g62a292b1e1_0_263:notes"/>
+          <p:cNvPr id="229" name="Google Shape;229;g62a292b1e1_0_263:notes"/>
           <p:cNvSpPr/>
           <p:nvPr>
             <p:ph idx="2" type="sldImg"/>
@@ -1591,7 +1591,7 @@
       </p:sp>
       <p:sp>
         <p:nvSpPr>
-          <p:cNvPr id="245" name="Google Shape;245;g62a292b1e1_0_263:notes"/>
+          <p:cNvPr id="230" name="Google Shape;230;g62a292b1e1_0_263:notes"/>
           <p:cNvSpPr txBox="1"/>
           <p:nvPr>
             <p:ph idx="1" type="body"/>
@@ -1655,7 +1655,7 @@
   <p:cSld>
     <p:spTree>
       <p:nvGrpSpPr>
-        <p:cNvPr id="256" name="Shape 256"/>
+        <p:cNvPr id="240" name="Shape 240"/>
         <p:cNvGrpSpPr/>
         <p:nvPr/>
       </p:nvGrpSpPr>
@@ -1669,7 +1669,7 @@
       </p:grpSpPr>
       <p:sp>
         <p:nvSpPr>
-          <p:cNvPr id="257" name="Google Shape;257;g62a292b1e1_0_301:notes"/>
+          <p:cNvPr id="241" name="Google Shape;241;g62a292b1e1_0_301:notes"/>
           <p:cNvSpPr/>
           <p:nvPr>
             <p:ph idx="2" type="sldImg"/>
@@ -1704,7 +1704,7 @@
       </p:sp>
       <p:sp>
         <p:nvSpPr>
-          <p:cNvPr id="258" name="Google Shape;258;g62a292b1e1_0_301:notes"/>
+          <p:cNvPr id="242" name="Google Shape;242;g62a292b1e1_0_301:notes"/>
           <p:cNvSpPr txBox="1"/>
           <p:nvPr>
             <p:ph idx="1" type="body"/>
@@ -1768,7 +1768,7 @@
   <p:cSld>
     <p:spTree>
       <p:nvGrpSpPr>
-        <p:cNvPr id="267" name="Shape 267"/>
+        <p:cNvPr id="250" name="Shape 250"/>
         <p:cNvGrpSpPr/>
         <p:nvPr/>
       </p:nvGrpSpPr>
@@ -1782,7 +1782,7 @@
       </p:grpSpPr>
       <p:sp>
         <p:nvSpPr>
-          <p:cNvPr id="268" name="Google Shape;268;g62a292b1e1_0_289:notes"/>
+          <p:cNvPr id="251" name="Google Shape;251;g62a292b1e1_0_289:notes"/>
           <p:cNvSpPr/>
           <p:nvPr>
             <p:ph idx="2" type="sldImg"/>
@@ -1817,7 +1817,7 @@
       </p:sp>
       <p:sp>
         <p:nvSpPr>
-          <p:cNvPr id="269" name="Google Shape;269;g62a292b1e1_0_289:notes"/>
+          <p:cNvPr id="252" name="Google Shape;252;g62a292b1e1_0_289:notes"/>
           <p:cNvSpPr txBox="1"/>
           <p:nvPr>
             <p:ph idx="1" type="body"/>
@@ -1881,7 +1881,7 @@
   <p:cSld>
     <p:spTree>
       <p:nvGrpSpPr>
-        <p:cNvPr id="280" name="Shape 280"/>
+        <p:cNvPr id="262" name="Shape 262"/>
         <p:cNvGrpSpPr/>
         <p:nvPr/>
       </p:nvGrpSpPr>
@@ -1895,7 +1895,7 @@
       </p:grpSpPr>
       <p:sp>
         <p:nvSpPr>
-          <p:cNvPr id="281" name="Google Shape;281;g62a292b1e1_0_312:notes"/>
+          <p:cNvPr id="263" name="Google Shape;263;g62a292b1e1_0_312:notes"/>
           <p:cNvSpPr/>
           <p:nvPr>
             <p:ph idx="2" type="sldImg"/>
@@ -1930,7 +1930,7 @@
       </p:sp>
       <p:sp>
         <p:nvSpPr>
-          <p:cNvPr id="282" name="Google Shape;282;g62a292b1e1_0_312:notes"/>
+          <p:cNvPr id="264" name="Google Shape;264;g62a292b1e1_0_312:notes"/>
           <p:cNvSpPr txBox="1"/>
           <p:nvPr>
             <p:ph idx="1" type="body"/>
@@ -1994,7 +1994,7 @@
   <p:cSld>
     <p:spTree>
       <p:nvGrpSpPr>
-        <p:cNvPr id="61" name="Shape 61"/>
+        <p:cNvPr id="60" name="Shape 60"/>
         <p:cNvGrpSpPr/>
         <p:nvPr/>
       </p:nvGrpSpPr>
@@ -2008,7 +2008,7 @@
       </p:grpSpPr>
       <p:sp>
         <p:nvSpPr>
-          <p:cNvPr id="62" name="Google Shape;62;g62a292b1e1_0_0:notes"/>
+          <p:cNvPr id="61" name="Google Shape;61;g62a292b1e1_0_0:notes"/>
           <p:cNvSpPr/>
           <p:nvPr>
             <p:ph idx="2" type="sldImg"/>
@@ -2043,7 +2043,7 @@
       </p:sp>
       <p:sp>
         <p:nvSpPr>
-          <p:cNvPr id="63" name="Google Shape;63;g62a292b1e1_0_0:notes"/>
+          <p:cNvPr id="62" name="Google Shape;62;g62a292b1e1_0_0:notes"/>
           <p:cNvSpPr txBox="1"/>
           <p:nvPr>
             <p:ph idx="1" type="body"/>
@@ -2107,7 +2107,7 @@
   <p:cSld>
     <p:spTree>
       <p:nvGrpSpPr>
-        <p:cNvPr id="293" name="Shape 293"/>
+        <p:cNvPr id="274" name="Shape 274"/>
         <p:cNvGrpSpPr/>
         <p:nvPr/>
       </p:nvGrpSpPr>
@@ -2121,7 +2121,7 @@
       </p:grpSpPr>
       <p:sp>
         <p:nvSpPr>
-          <p:cNvPr id="294" name="Google Shape;294;g62a292b1e1_0_325:notes"/>
+          <p:cNvPr id="275" name="Google Shape;275;g62a292b1e1_0_325:notes"/>
           <p:cNvSpPr/>
           <p:nvPr>
             <p:ph idx="2" type="sldImg"/>
@@ -2156,7 +2156,7 @@
       </p:sp>
       <p:sp>
         <p:nvSpPr>
-          <p:cNvPr id="295" name="Google Shape;295;g62a292b1e1_0_325:notes"/>
+          <p:cNvPr id="276" name="Google Shape;276;g62a292b1e1_0_325:notes"/>
           <p:cNvSpPr txBox="1"/>
           <p:nvPr>
             <p:ph idx="1" type="body"/>
@@ -2220,7 +2220,7 @@
   <p:cSld>
     <p:spTree>
       <p:nvGrpSpPr>
-        <p:cNvPr id="304" name="Shape 304"/>
+        <p:cNvPr id="284" name="Shape 284"/>
         <p:cNvGrpSpPr/>
         <p:nvPr/>
       </p:nvGrpSpPr>
@@ -2234,7 +2234,7 @@
       </p:grpSpPr>
       <p:sp>
         <p:nvSpPr>
-          <p:cNvPr id="305" name="Google Shape;305;g62a292b1a5_0_302:notes"/>
+          <p:cNvPr id="285" name="Google Shape;285;g62a292b1a5_0_302:notes"/>
           <p:cNvSpPr/>
           <p:nvPr>
             <p:ph idx="2" type="sldImg"/>
@@ -2269,7 +2269,7 @@
       </p:sp>
       <p:sp>
         <p:nvSpPr>
-          <p:cNvPr id="306" name="Google Shape;306;g62a292b1a5_0_302:notes"/>
+          <p:cNvPr id="286" name="Google Shape;286;g62a292b1a5_0_302:notes"/>
           <p:cNvSpPr txBox="1"/>
           <p:nvPr>
             <p:ph idx="1" type="body"/>
@@ -2319,7 +2319,7 @@
   <p:cSld>
     <p:spTree>
       <p:nvGrpSpPr>
-        <p:cNvPr id="72" name="Shape 72"/>
+        <p:cNvPr id="70" name="Shape 70"/>
         <p:cNvGrpSpPr/>
         <p:nvPr/>
       </p:nvGrpSpPr>
@@ -2333,7 +2333,7 @@
       </p:grpSpPr>
       <p:sp>
         <p:nvSpPr>
-          <p:cNvPr id="73" name="Google Shape;73;g62a292b1e1_0_22:notes"/>
+          <p:cNvPr id="71" name="Google Shape;71;g62a292b1e1_0_22:notes"/>
           <p:cNvSpPr/>
           <p:nvPr>
             <p:ph idx="2" type="sldImg"/>
@@ -2368,7 +2368,7 @@
       </p:sp>
       <p:sp>
         <p:nvSpPr>
-          <p:cNvPr id="74" name="Google Shape;74;g62a292b1e1_0_22:notes"/>
+          <p:cNvPr id="72" name="Google Shape;72;g62a292b1e1_0_22:notes"/>
           <p:cNvSpPr txBox="1"/>
           <p:nvPr>
             <p:ph idx="1" type="body"/>
@@ -2432,7 +2432,7 @@
   <p:cSld>
     <p:spTree>
       <p:nvGrpSpPr>
-        <p:cNvPr id="83" name="Shape 83"/>
+        <p:cNvPr id="80" name="Shape 80"/>
         <p:cNvGrpSpPr/>
         <p:nvPr/>
       </p:nvGrpSpPr>
@@ -2446,7 +2446,7 @@
       </p:grpSpPr>
       <p:sp>
         <p:nvSpPr>
-          <p:cNvPr id="84" name="Google Shape;84;g62a292b1e1_0_33:notes"/>
+          <p:cNvPr id="81" name="Google Shape;81;g62a292b1e1_0_33:notes"/>
           <p:cNvSpPr/>
           <p:nvPr>
             <p:ph idx="2" type="sldImg"/>
@@ -2481,7 +2481,7 @@
       </p:sp>
       <p:sp>
         <p:nvSpPr>
-          <p:cNvPr id="85" name="Google Shape;85;g62a292b1e1_0_33:notes"/>
+          <p:cNvPr id="82" name="Google Shape;82;g62a292b1e1_0_33:notes"/>
           <p:cNvSpPr txBox="1"/>
           <p:nvPr>
             <p:ph idx="1" type="body"/>
@@ -2545,7 +2545,7 @@
   <p:cSld>
     <p:spTree>
       <p:nvGrpSpPr>
-        <p:cNvPr id="105" name="Shape 105"/>
+        <p:cNvPr id="101" name="Shape 101"/>
         <p:cNvGrpSpPr/>
         <p:nvPr/>
       </p:nvGrpSpPr>
@@ -2559,7 +2559,7 @@
       </p:grpSpPr>
       <p:sp>
         <p:nvSpPr>
-          <p:cNvPr id="106" name="Google Shape;106;g62a292b1e1_0_99:notes"/>
+          <p:cNvPr id="102" name="Google Shape;102;g62a292b1e1_0_99:notes"/>
           <p:cNvSpPr/>
           <p:nvPr>
             <p:ph idx="2" type="sldImg"/>
@@ -2594,7 +2594,7 @@
       </p:sp>
       <p:sp>
         <p:nvSpPr>
-          <p:cNvPr id="107" name="Google Shape;107;g62a292b1e1_0_99:notes"/>
+          <p:cNvPr id="103" name="Google Shape;103;g62a292b1e1_0_99:notes"/>
           <p:cNvSpPr txBox="1"/>
           <p:nvPr>
             <p:ph idx="1" type="body"/>
@@ -2658,7 +2658,7 @@
   <p:cSld>
     <p:spTree>
       <p:nvGrpSpPr>
-        <p:cNvPr id="118" name="Shape 118"/>
+        <p:cNvPr id="113" name="Shape 113"/>
         <p:cNvGrpSpPr/>
         <p:nvPr/>
       </p:nvGrpSpPr>
@@ -2672,7 +2672,7 @@
       </p:grpSpPr>
       <p:sp>
         <p:nvSpPr>
-          <p:cNvPr id="119" name="Google Shape;119;g62a292b1e1_0_123:notes"/>
+          <p:cNvPr id="114" name="Google Shape;114;g62a292b1e1_0_123:notes"/>
           <p:cNvSpPr/>
           <p:nvPr>
             <p:ph idx="2" type="sldImg"/>
@@ -2707,7 +2707,7 @@
       </p:sp>
       <p:sp>
         <p:nvSpPr>
-          <p:cNvPr id="120" name="Google Shape;120;g62a292b1e1_0_123:notes"/>
+          <p:cNvPr id="115" name="Google Shape;115;g62a292b1e1_0_123:notes"/>
           <p:cNvSpPr txBox="1"/>
           <p:nvPr>
             <p:ph idx="1" type="body"/>
@@ -2771,7 +2771,7 @@
   <p:cSld>
     <p:spTree>
       <p:nvGrpSpPr>
-        <p:cNvPr id="131" name="Shape 131"/>
+        <p:cNvPr id="125" name="Shape 125"/>
         <p:cNvGrpSpPr/>
         <p:nvPr/>
       </p:nvGrpSpPr>
@@ -2785,7 +2785,7 @@
       </p:grpSpPr>
       <p:sp>
         <p:nvSpPr>
-          <p:cNvPr id="132" name="Google Shape;132;g62a292b1e1_0_146:notes"/>
+          <p:cNvPr id="126" name="Google Shape;126;g62a292b1e1_0_146:notes"/>
           <p:cNvSpPr/>
           <p:nvPr>
             <p:ph idx="2" type="sldImg"/>
@@ -2820,7 +2820,7 @@
       </p:sp>
       <p:sp>
         <p:nvSpPr>
-          <p:cNvPr id="133" name="Google Shape;133;g62a292b1e1_0_146:notes"/>
+          <p:cNvPr id="127" name="Google Shape;127;g62a292b1e1_0_146:notes"/>
           <p:cNvSpPr txBox="1"/>
           <p:nvPr>
             <p:ph idx="1" type="body"/>
@@ -2884,7 +2884,7 @@
   <p:cSld>
     <p:spTree>
       <p:nvGrpSpPr>
-        <p:cNvPr id="142" name="Shape 142"/>
+        <p:cNvPr id="135" name="Shape 135"/>
         <p:cNvGrpSpPr/>
         <p:nvPr/>
       </p:nvGrpSpPr>
@@ -2898,7 +2898,7 @@
       </p:grpSpPr>
       <p:sp>
         <p:nvSpPr>
-          <p:cNvPr id="143" name="Google Shape;143;g62a292b1e1_0_156:notes"/>
+          <p:cNvPr id="136" name="Google Shape;136;g62a292b1e1_0_156:notes"/>
           <p:cNvSpPr/>
           <p:nvPr>
             <p:ph idx="2" type="sldImg"/>
@@ -2933,7 +2933,7 @@
       </p:sp>
       <p:sp>
         <p:nvSpPr>
-          <p:cNvPr id="144" name="Google Shape;144;g62a292b1e1_0_156:notes"/>
+          <p:cNvPr id="137" name="Google Shape;137;g62a292b1e1_0_156:notes"/>
           <p:cNvSpPr txBox="1"/>
           <p:nvPr>
             <p:ph idx="1" type="body"/>
@@ -2997,7 +2997,7 @@
   <p:cSld>
     <p:spTree>
       <p:nvGrpSpPr>
-        <p:cNvPr id="155" name="Shape 155"/>
+        <p:cNvPr id="147" name="Shape 147"/>
         <p:cNvGrpSpPr/>
         <p:nvPr/>
       </p:nvGrpSpPr>
@@ -3011,7 +3011,7 @@
       </p:grpSpPr>
       <p:sp>
         <p:nvSpPr>
-          <p:cNvPr id="156" name="Google Shape;156;g62a292b1e1_0_169:notes"/>
+          <p:cNvPr id="148" name="Google Shape;148;g62a292b1e1_0_169:notes"/>
           <p:cNvSpPr/>
           <p:nvPr>
             <p:ph idx="2" type="sldImg"/>
@@ -3046,7 +3046,7 @@
       </p:sp>
       <p:sp>
         <p:nvSpPr>
-          <p:cNvPr id="157" name="Google Shape;157;g62a292b1e1_0_169:notes"/>
+          <p:cNvPr id="149" name="Google Shape;149;g62a292b1e1_0_169:notes"/>
           <p:cNvSpPr txBox="1"/>
           <p:nvPr>
             <p:ph idx="1" type="body"/>
@@ -7996,10 +7996,10 @@
         </p:nvGrpSpPr>
         <p:grpSpPr>
           <a:xfrm>
-            <a:off x="6917336" y="4812275"/>
-            <a:ext cx="1613268" cy="288299"/>
-            <a:chOff x="805865" y="375582"/>
-            <a:chExt cx="4067745" cy="755700"/>
+            <a:off x="7462201" y="4812275"/>
+            <a:ext cx="1068401" cy="288301"/>
+            <a:chOff x="7462201" y="4812275"/>
+            <a:chExt cx="1068401" cy="288301"/>
           </a:xfrm>
         </p:grpSpPr>
         <p:pic>
@@ -8018,8 +8018,8 @@
           </p:blipFill>
           <p:spPr>
             <a:xfrm>
-              <a:off x="4029638" y="375582"/>
-              <a:ext cx="843973" cy="755700"/>
+              <a:off x="8195884" y="4812275"/>
+              <a:ext cx="334718" cy="288301"/>
             </a:xfrm>
             <a:prstGeom prst="rect">
               <a:avLst/>
@@ -8036,35 +8036,8 @@
             <p:cNvPicPr preferRelativeResize="0"/>
             <p:nvPr/>
           </p:nvPicPr>
-          <p:blipFill rotWithShape="1">
+          <p:blipFill>
             <a:blip r:embed="rId4">
-              <a:alphaModFix/>
-            </a:blip>
-            <a:srcRect b="18507" l="13651" r="0" t="49643"/>
-            <a:stretch/>
-          </p:blipFill>
-          <p:spPr>
-            <a:xfrm>
-              <a:off x="2569425" y="544250"/>
-              <a:ext cx="1295350" cy="455700"/>
-            </a:xfrm>
-            <a:prstGeom prst="rect">
-              <a:avLst/>
-            </a:prstGeom>
-            <a:noFill/>
-            <a:ln>
-              <a:noFill/>
-            </a:ln>
-          </p:spPr>
-        </p:pic>
-        <p:pic>
-          <p:nvPicPr>
-            <p:cNvPr id="60" name="Google Shape;60;p13"/>
-            <p:cNvPicPr preferRelativeResize="0"/>
-            <p:nvPr/>
-          </p:nvPicPr>
-          <p:blipFill>
-            <a:blip r:embed="rId5">
               <a:alphaModFix/>
             </a:blip>
             <a:stretch>
@@ -8073,8 +8046,8 @@
           </p:blipFill>
           <p:spPr>
             <a:xfrm>
-              <a:off x="805865" y="576415"/>
-              <a:ext cx="1522500" cy="372700"/>
+              <a:off x="7462201" y="4846024"/>
+              <a:ext cx="645825" cy="225525"/>
             </a:xfrm>
             <a:prstGeom prst="rect">
               <a:avLst/>
@@ -8099,7 +8072,7 @@
   <p:cSld>
     <p:spTree>
       <p:nvGrpSpPr>
-        <p:cNvPr id="171" name="Shape 171"/>
+        <p:cNvPr id="162" name="Shape 162"/>
         <p:cNvGrpSpPr/>
         <p:nvPr/>
       </p:nvGrpSpPr>
@@ -8113,7 +8086,7 @@
       </p:grpSpPr>
       <p:sp>
         <p:nvSpPr>
-          <p:cNvPr id="172" name="Google Shape;172;p22"/>
+          <p:cNvPr id="163" name="Google Shape;163;p22"/>
           <p:cNvSpPr/>
           <p:nvPr/>
         </p:nvSpPr>
@@ -8156,7 +8129,7 @@
       </p:sp>
       <p:sp>
         <p:nvSpPr>
-          <p:cNvPr id="173" name="Google Shape;173;p22"/>
+          <p:cNvPr id="164" name="Google Shape;164;p22"/>
           <p:cNvSpPr txBox="1"/>
           <p:nvPr>
             <p:ph type="title"/>
@@ -8282,107 +8255,9 @@
           </a:p>
         </p:txBody>
       </p:sp>
-      <p:grpSp>
-        <p:nvGrpSpPr>
-          <p:cNvPr id="174" name="Google Shape;174;p22"/>
-          <p:cNvGrpSpPr/>
-          <p:nvPr/>
-        </p:nvGrpSpPr>
-        <p:grpSpPr>
-          <a:xfrm>
-            <a:off x="6917336" y="4812275"/>
-            <a:ext cx="1613268" cy="288299"/>
-            <a:chOff x="805865" y="375582"/>
-            <a:chExt cx="4067745" cy="755700"/>
-          </a:xfrm>
-        </p:grpSpPr>
-        <p:pic>
-          <p:nvPicPr>
-            <p:cNvPr id="175" name="Google Shape;175;p22"/>
-            <p:cNvPicPr preferRelativeResize="0"/>
-            <p:nvPr/>
-          </p:nvPicPr>
-          <p:blipFill>
-            <a:blip r:embed="rId3">
-              <a:alphaModFix/>
-            </a:blip>
-            <a:stretch>
-              <a:fillRect/>
-            </a:stretch>
-          </p:blipFill>
-          <p:spPr>
-            <a:xfrm>
-              <a:off x="4029638" y="375582"/>
-              <a:ext cx="843973" cy="755700"/>
-            </a:xfrm>
-            <a:prstGeom prst="rect">
-              <a:avLst/>
-            </a:prstGeom>
-            <a:noFill/>
-            <a:ln>
-              <a:noFill/>
-            </a:ln>
-          </p:spPr>
-        </p:pic>
-        <p:pic>
-          <p:nvPicPr>
-            <p:cNvPr id="176" name="Google Shape;176;p22"/>
-            <p:cNvPicPr preferRelativeResize="0"/>
-            <p:nvPr/>
-          </p:nvPicPr>
-          <p:blipFill rotWithShape="1">
-            <a:blip r:embed="rId4">
-              <a:alphaModFix/>
-            </a:blip>
-            <a:srcRect b="18507" l="13651" r="0" t="49643"/>
-            <a:stretch/>
-          </p:blipFill>
-          <p:spPr>
-            <a:xfrm>
-              <a:off x="2569425" y="544250"/>
-              <a:ext cx="1295350" cy="455700"/>
-            </a:xfrm>
-            <a:prstGeom prst="rect">
-              <a:avLst/>
-            </a:prstGeom>
-            <a:noFill/>
-            <a:ln>
-              <a:noFill/>
-            </a:ln>
-          </p:spPr>
-        </p:pic>
-        <p:pic>
-          <p:nvPicPr>
-            <p:cNvPr id="177" name="Google Shape;177;p22"/>
-            <p:cNvPicPr preferRelativeResize="0"/>
-            <p:nvPr/>
-          </p:nvPicPr>
-          <p:blipFill>
-            <a:blip r:embed="rId5">
-              <a:alphaModFix/>
-            </a:blip>
-            <a:stretch>
-              <a:fillRect/>
-            </a:stretch>
-          </p:blipFill>
-          <p:spPr>
-            <a:xfrm>
-              <a:off x="805865" y="576415"/>
-              <a:ext cx="1522500" cy="372700"/>
-            </a:xfrm>
-            <a:prstGeom prst="rect">
-              <a:avLst/>
-            </a:prstGeom>
-            <a:noFill/>
-            <a:ln>
-              <a:noFill/>
-            </a:ln>
-          </p:spPr>
-        </p:pic>
-      </p:grpSp>
       <p:sp>
         <p:nvSpPr>
-          <p:cNvPr id="178" name="Google Shape;178;p22"/>
+          <p:cNvPr id="165" name="Google Shape;165;p22"/>
           <p:cNvSpPr txBox="1"/>
           <p:nvPr>
             <p:ph idx="1" type="body"/>
@@ -8639,6 +8514,77 @@
           </a:p>
         </p:txBody>
       </p:sp>
+      <p:grpSp>
+        <p:nvGrpSpPr>
+          <p:cNvPr id="166" name="Google Shape;166;p22"/>
+          <p:cNvGrpSpPr/>
+          <p:nvPr/>
+        </p:nvGrpSpPr>
+        <p:grpSpPr>
+          <a:xfrm>
+            <a:off x="7462201" y="4812275"/>
+            <a:ext cx="1068401" cy="288301"/>
+            <a:chOff x="7462201" y="4812275"/>
+            <a:chExt cx="1068401" cy="288301"/>
+          </a:xfrm>
+        </p:grpSpPr>
+        <p:pic>
+          <p:nvPicPr>
+            <p:cNvPr id="167" name="Google Shape;167;p22"/>
+            <p:cNvPicPr preferRelativeResize="0"/>
+            <p:nvPr/>
+          </p:nvPicPr>
+          <p:blipFill>
+            <a:blip r:embed="rId3">
+              <a:alphaModFix/>
+            </a:blip>
+            <a:stretch>
+              <a:fillRect/>
+            </a:stretch>
+          </p:blipFill>
+          <p:spPr>
+            <a:xfrm>
+              <a:off x="8195884" y="4812275"/>
+              <a:ext cx="334718" cy="288301"/>
+            </a:xfrm>
+            <a:prstGeom prst="rect">
+              <a:avLst/>
+            </a:prstGeom>
+            <a:noFill/>
+            <a:ln>
+              <a:noFill/>
+            </a:ln>
+          </p:spPr>
+        </p:pic>
+        <p:pic>
+          <p:nvPicPr>
+            <p:cNvPr id="168" name="Google Shape;168;p22"/>
+            <p:cNvPicPr preferRelativeResize="0"/>
+            <p:nvPr/>
+          </p:nvPicPr>
+          <p:blipFill>
+            <a:blip r:embed="rId4">
+              <a:alphaModFix/>
+            </a:blip>
+            <a:stretch>
+              <a:fillRect/>
+            </a:stretch>
+          </p:blipFill>
+          <p:spPr>
+            <a:xfrm>
+              <a:off x="7462201" y="4846024"/>
+              <a:ext cx="645825" cy="225525"/>
+            </a:xfrm>
+            <a:prstGeom prst="rect">
+              <a:avLst/>
+            </a:prstGeom>
+            <a:noFill/>
+            <a:ln>
+              <a:noFill/>
+            </a:ln>
+          </p:spPr>
+        </p:pic>
+      </p:grpSp>
     </p:spTree>
   </p:cSld>
   <p:clrMapOvr>
@@ -8652,7 +8598,7 @@
   <p:cSld>
     <p:spTree>
       <p:nvGrpSpPr>
-        <p:cNvPr id="182" name="Shape 182"/>
+        <p:cNvPr id="172" name="Shape 172"/>
         <p:cNvGrpSpPr/>
         <p:nvPr/>
       </p:nvGrpSpPr>
@@ -8666,7 +8612,7 @@
       </p:grpSpPr>
       <p:sp>
         <p:nvSpPr>
-          <p:cNvPr id="183" name="Google Shape;183;p23"/>
+          <p:cNvPr id="173" name="Google Shape;173;p23"/>
           <p:cNvSpPr/>
           <p:nvPr/>
         </p:nvSpPr>
@@ -8709,7 +8655,7 @@
       </p:sp>
       <p:sp>
         <p:nvSpPr>
-          <p:cNvPr id="184" name="Google Shape;184;p23"/>
+          <p:cNvPr id="174" name="Google Shape;174;p23"/>
           <p:cNvSpPr txBox="1"/>
           <p:nvPr>
             <p:ph type="title"/>
@@ -8835,107 +8781,9 @@
           </a:p>
         </p:txBody>
       </p:sp>
-      <p:grpSp>
-        <p:nvGrpSpPr>
-          <p:cNvPr id="185" name="Google Shape;185;p23"/>
-          <p:cNvGrpSpPr/>
-          <p:nvPr/>
-        </p:nvGrpSpPr>
-        <p:grpSpPr>
-          <a:xfrm>
-            <a:off x="6917336" y="4812275"/>
-            <a:ext cx="1613268" cy="288299"/>
-            <a:chOff x="805865" y="375582"/>
-            <a:chExt cx="4067745" cy="755700"/>
-          </a:xfrm>
-        </p:grpSpPr>
-        <p:pic>
-          <p:nvPicPr>
-            <p:cNvPr id="186" name="Google Shape;186;p23"/>
-            <p:cNvPicPr preferRelativeResize="0"/>
-            <p:nvPr/>
-          </p:nvPicPr>
-          <p:blipFill>
-            <a:blip r:embed="rId3">
-              <a:alphaModFix/>
-            </a:blip>
-            <a:stretch>
-              <a:fillRect/>
-            </a:stretch>
-          </p:blipFill>
-          <p:spPr>
-            <a:xfrm>
-              <a:off x="4029638" y="375582"/>
-              <a:ext cx="843973" cy="755700"/>
-            </a:xfrm>
-            <a:prstGeom prst="rect">
-              <a:avLst/>
-            </a:prstGeom>
-            <a:noFill/>
-            <a:ln>
-              <a:noFill/>
-            </a:ln>
-          </p:spPr>
-        </p:pic>
-        <p:pic>
-          <p:nvPicPr>
-            <p:cNvPr id="187" name="Google Shape;187;p23"/>
-            <p:cNvPicPr preferRelativeResize="0"/>
-            <p:nvPr/>
-          </p:nvPicPr>
-          <p:blipFill rotWithShape="1">
-            <a:blip r:embed="rId4">
-              <a:alphaModFix/>
-            </a:blip>
-            <a:srcRect b="18507" l="13651" r="0" t="49643"/>
-            <a:stretch/>
-          </p:blipFill>
-          <p:spPr>
-            <a:xfrm>
-              <a:off x="2569425" y="544250"/>
-              <a:ext cx="1295350" cy="455700"/>
-            </a:xfrm>
-            <a:prstGeom prst="rect">
-              <a:avLst/>
-            </a:prstGeom>
-            <a:noFill/>
-            <a:ln>
-              <a:noFill/>
-            </a:ln>
-          </p:spPr>
-        </p:pic>
-        <p:pic>
-          <p:nvPicPr>
-            <p:cNvPr id="188" name="Google Shape;188;p23"/>
-            <p:cNvPicPr preferRelativeResize="0"/>
-            <p:nvPr/>
-          </p:nvPicPr>
-          <p:blipFill>
-            <a:blip r:embed="rId5">
-              <a:alphaModFix/>
-            </a:blip>
-            <a:stretch>
-              <a:fillRect/>
-            </a:stretch>
-          </p:blipFill>
-          <p:spPr>
-            <a:xfrm>
-              <a:off x="805865" y="576415"/>
-              <a:ext cx="1522500" cy="372700"/>
-            </a:xfrm>
-            <a:prstGeom prst="rect">
-              <a:avLst/>
-            </a:prstGeom>
-            <a:noFill/>
-            <a:ln>
-              <a:noFill/>
-            </a:ln>
-          </p:spPr>
-        </p:pic>
-      </p:grpSp>
       <p:sp>
         <p:nvSpPr>
-          <p:cNvPr id="189" name="Google Shape;189;p23"/>
+          <p:cNvPr id="175" name="Google Shape;175;p23"/>
           <p:cNvSpPr txBox="1"/>
           <p:nvPr/>
         </p:nvSpPr>
@@ -9000,7 +8848,7 @@
       </p:sp>
       <p:sp>
         <p:nvSpPr>
-          <p:cNvPr id="190" name="Google Shape;190;p23"/>
+          <p:cNvPr id="176" name="Google Shape;176;p23"/>
           <p:cNvSpPr txBox="1"/>
           <p:nvPr/>
         </p:nvSpPr>
@@ -9114,7 +8962,7 @@
       </p:sp>
       <p:sp>
         <p:nvSpPr>
-          <p:cNvPr id="191" name="Google Shape;191;p23"/>
+          <p:cNvPr id="177" name="Google Shape;177;p23"/>
           <p:cNvSpPr txBox="1"/>
           <p:nvPr/>
         </p:nvSpPr>
@@ -9391,6 +9239,77 @@
           </a:p>
         </p:txBody>
       </p:sp>
+      <p:grpSp>
+        <p:nvGrpSpPr>
+          <p:cNvPr id="178" name="Google Shape;178;p23"/>
+          <p:cNvGrpSpPr/>
+          <p:nvPr/>
+        </p:nvGrpSpPr>
+        <p:grpSpPr>
+          <a:xfrm>
+            <a:off x="7462201" y="4812275"/>
+            <a:ext cx="1068401" cy="288301"/>
+            <a:chOff x="7462201" y="4812275"/>
+            <a:chExt cx="1068401" cy="288301"/>
+          </a:xfrm>
+        </p:grpSpPr>
+        <p:pic>
+          <p:nvPicPr>
+            <p:cNvPr id="179" name="Google Shape;179;p23"/>
+            <p:cNvPicPr preferRelativeResize="0"/>
+            <p:nvPr/>
+          </p:nvPicPr>
+          <p:blipFill>
+            <a:blip r:embed="rId3">
+              <a:alphaModFix/>
+            </a:blip>
+            <a:stretch>
+              <a:fillRect/>
+            </a:stretch>
+          </p:blipFill>
+          <p:spPr>
+            <a:xfrm>
+              <a:off x="8195884" y="4812275"/>
+              <a:ext cx="334718" cy="288301"/>
+            </a:xfrm>
+            <a:prstGeom prst="rect">
+              <a:avLst/>
+            </a:prstGeom>
+            <a:noFill/>
+            <a:ln>
+              <a:noFill/>
+            </a:ln>
+          </p:spPr>
+        </p:pic>
+        <p:pic>
+          <p:nvPicPr>
+            <p:cNvPr id="180" name="Google Shape;180;p23"/>
+            <p:cNvPicPr preferRelativeResize="0"/>
+            <p:nvPr/>
+          </p:nvPicPr>
+          <p:blipFill>
+            <a:blip r:embed="rId4">
+              <a:alphaModFix/>
+            </a:blip>
+            <a:stretch>
+              <a:fillRect/>
+            </a:stretch>
+          </p:blipFill>
+          <p:spPr>
+            <a:xfrm>
+              <a:off x="7462201" y="4846024"/>
+              <a:ext cx="645825" cy="225525"/>
+            </a:xfrm>
+            <a:prstGeom prst="rect">
+              <a:avLst/>
+            </a:prstGeom>
+            <a:noFill/>
+            <a:ln>
+              <a:noFill/>
+            </a:ln>
+          </p:spPr>
+        </p:pic>
+      </p:grpSp>
     </p:spTree>
   </p:cSld>
   <p:clrMapOvr>
@@ -9404,7 +9323,7 @@
   <p:cSld>
     <p:spTree>
       <p:nvGrpSpPr>
-        <p:cNvPr id="195" name="Shape 195"/>
+        <p:cNvPr id="184" name="Shape 184"/>
         <p:cNvGrpSpPr/>
         <p:nvPr/>
       </p:nvGrpSpPr>
@@ -9418,7 +9337,7 @@
       </p:grpSpPr>
       <p:sp>
         <p:nvSpPr>
-          <p:cNvPr id="196" name="Google Shape;196;p24"/>
+          <p:cNvPr id="185" name="Google Shape;185;p24"/>
           <p:cNvSpPr/>
           <p:nvPr/>
         </p:nvSpPr>
@@ -9461,7 +9380,7 @@
       </p:sp>
       <p:sp>
         <p:nvSpPr>
-          <p:cNvPr id="197" name="Google Shape;197;p24"/>
+          <p:cNvPr id="186" name="Google Shape;186;p24"/>
           <p:cNvSpPr txBox="1"/>
           <p:nvPr>
             <p:ph type="title"/>
@@ -9587,107 +9506,9 @@
           </a:p>
         </p:txBody>
       </p:sp>
-      <p:grpSp>
-        <p:nvGrpSpPr>
-          <p:cNvPr id="198" name="Google Shape;198;p24"/>
-          <p:cNvGrpSpPr/>
-          <p:nvPr/>
-        </p:nvGrpSpPr>
-        <p:grpSpPr>
-          <a:xfrm>
-            <a:off x="6917336" y="4812275"/>
-            <a:ext cx="1613268" cy="288299"/>
-            <a:chOff x="805865" y="375582"/>
-            <a:chExt cx="4067745" cy="755700"/>
-          </a:xfrm>
-        </p:grpSpPr>
-        <p:pic>
-          <p:nvPicPr>
-            <p:cNvPr id="199" name="Google Shape;199;p24"/>
-            <p:cNvPicPr preferRelativeResize="0"/>
-            <p:nvPr/>
-          </p:nvPicPr>
-          <p:blipFill>
-            <a:blip r:embed="rId3">
-              <a:alphaModFix/>
-            </a:blip>
-            <a:stretch>
-              <a:fillRect/>
-            </a:stretch>
-          </p:blipFill>
-          <p:spPr>
-            <a:xfrm>
-              <a:off x="4029638" y="375582"/>
-              <a:ext cx="843973" cy="755700"/>
-            </a:xfrm>
-            <a:prstGeom prst="rect">
-              <a:avLst/>
-            </a:prstGeom>
-            <a:noFill/>
-            <a:ln>
-              <a:noFill/>
-            </a:ln>
-          </p:spPr>
-        </p:pic>
-        <p:pic>
-          <p:nvPicPr>
-            <p:cNvPr id="200" name="Google Shape;200;p24"/>
-            <p:cNvPicPr preferRelativeResize="0"/>
-            <p:nvPr/>
-          </p:nvPicPr>
-          <p:blipFill rotWithShape="1">
-            <a:blip r:embed="rId4">
-              <a:alphaModFix/>
-            </a:blip>
-            <a:srcRect b="18507" l="13651" r="0" t="49643"/>
-            <a:stretch/>
-          </p:blipFill>
-          <p:spPr>
-            <a:xfrm>
-              <a:off x="2569425" y="544250"/>
-              <a:ext cx="1295350" cy="455700"/>
-            </a:xfrm>
-            <a:prstGeom prst="rect">
-              <a:avLst/>
-            </a:prstGeom>
-            <a:noFill/>
-            <a:ln>
-              <a:noFill/>
-            </a:ln>
-          </p:spPr>
-        </p:pic>
-        <p:pic>
-          <p:nvPicPr>
-            <p:cNvPr id="201" name="Google Shape;201;p24"/>
-            <p:cNvPicPr preferRelativeResize="0"/>
-            <p:nvPr/>
-          </p:nvPicPr>
-          <p:blipFill>
-            <a:blip r:embed="rId5">
-              <a:alphaModFix/>
-            </a:blip>
-            <a:stretch>
-              <a:fillRect/>
-            </a:stretch>
-          </p:blipFill>
-          <p:spPr>
-            <a:xfrm>
-              <a:off x="805865" y="576415"/>
-              <a:ext cx="1522500" cy="372700"/>
-            </a:xfrm>
-            <a:prstGeom prst="rect">
-              <a:avLst/>
-            </a:prstGeom>
-            <a:noFill/>
-            <a:ln>
-              <a:noFill/>
-            </a:ln>
-          </p:spPr>
-        </p:pic>
-      </p:grpSp>
       <p:sp>
         <p:nvSpPr>
-          <p:cNvPr id="202" name="Google Shape;202;p24"/>
+          <p:cNvPr id="187" name="Google Shape;187;p24"/>
           <p:cNvSpPr txBox="1"/>
           <p:nvPr/>
         </p:nvSpPr>
@@ -9752,7 +9573,7 @@
       </p:sp>
       <p:sp>
         <p:nvSpPr>
-          <p:cNvPr id="203" name="Google Shape;203;p24"/>
+          <p:cNvPr id="188" name="Google Shape;188;p24"/>
           <p:cNvSpPr txBox="1"/>
           <p:nvPr/>
         </p:nvSpPr>
@@ -9866,12 +9687,12 @@
       </p:sp>
       <p:pic>
         <p:nvPicPr>
-          <p:cNvPr id="204" name="Google Shape;204;p24"/>
+          <p:cNvPr id="189" name="Google Shape;189;p24"/>
           <p:cNvPicPr preferRelativeResize="0"/>
           <p:nvPr/>
         </p:nvPicPr>
         <p:blipFill>
-          <a:blip r:embed="rId6">
+          <a:blip r:embed="rId3">
             <a:alphaModFix/>
           </a:blip>
           <a:stretch>
@@ -9894,7 +9715,7 @@
       </p:pic>
       <p:sp>
         <p:nvSpPr>
-          <p:cNvPr id="205" name="Google Shape;205;p24"/>
+          <p:cNvPr id="190" name="Google Shape;190;p24"/>
           <p:cNvSpPr txBox="1"/>
           <p:nvPr/>
         </p:nvSpPr>
@@ -9979,6 +9800,77 @@
           </a:p>
         </p:txBody>
       </p:sp>
+      <p:grpSp>
+        <p:nvGrpSpPr>
+          <p:cNvPr id="191" name="Google Shape;191;p24"/>
+          <p:cNvGrpSpPr/>
+          <p:nvPr/>
+        </p:nvGrpSpPr>
+        <p:grpSpPr>
+          <a:xfrm>
+            <a:off x="7462201" y="4812275"/>
+            <a:ext cx="1068401" cy="288301"/>
+            <a:chOff x="7462201" y="4812275"/>
+            <a:chExt cx="1068401" cy="288301"/>
+          </a:xfrm>
+        </p:grpSpPr>
+        <p:pic>
+          <p:nvPicPr>
+            <p:cNvPr id="192" name="Google Shape;192;p24"/>
+            <p:cNvPicPr preferRelativeResize="0"/>
+            <p:nvPr/>
+          </p:nvPicPr>
+          <p:blipFill>
+            <a:blip r:embed="rId4">
+              <a:alphaModFix/>
+            </a:blip>
+            <a:stretch>
+              <a:fillRect/>
+            </a:stretch>
+          </p:blipFill>
+          <p:spPr>
+            <a:xfrm>
+              <a:off x="8195884" y="4812275"/>
+              <a:ext cx="334718" cy="288301"/>
+            </a:xfrm>
+            <a:prstGeom prst="rect">
+              <a:avLst/>
+            </a:prstGeom>
+            <a:noFill/>
+            <a:ln>
+              <a:noFill/>
+            </a:ln>
+          </p:spPr>
+        </p:pic>
+        <p:pic>
+          <p:nvPicPr>
+            <p:cNvPr id="193" name="Google Shape;193;p24"/>
+            <p:cNvPicPr preferRelativeResize="0"/>
+            <p:nvPr/>
+          </p:nvPicPr>
+          <p:blipFill>
+            <a:blip r:embed="rId5">
+              <a:alphaModFix/>
+            </a:blip>
+            <a:stretch>
+              <a:fillRect/>
+            </a:stretch>
+          </p:blipFill>
+          <p:spPr>
+            <a:xfrm>
+              <a:off x="7462201" y="4846024"/>
+              <a:ext cx="645825" cy="225525"/>
+            </a:xfrm>
+            <a:prstGeom prst="rect">
+              <a:avLst/>
+            </a:prstGeom>
+            <a:noFill/>
+            <a:ln>
+              <a:noFill/>
+            </a:ln>
+          </p:spPr>
+        </p:pic>
+      </p:grpSp>
     </p:spTree>
   </p:cSld>
   <p:clrMapOvr>
@@ -9992,7 +9884,7 @@
   <p:cSld>
     <p:spTree>
       <p:nvGrpSpPr>
-        <p:cNvPr id="209" name="Shape 209"/>
+        <p:cNvPr id="197" name="Shape 197"/>
         <p:cNvGrpSpPr/>
         <p:nvPr/>
       </p:nvGrpSpPr>
@@ -10006,7 +9898,7 @@
       </p:grpSpPr>
       <p:sp>
         <p:nvSpPr>
-          <p:cNvPr id="210" name="Google Shape;210;p25"/>
+          <p:cNvPr id="198" name="Google Shape;198;p25"/>
           <p:cNvSpPr/>
           <p:nvPr/>
         </p:nvSpPr>
@@ -10049,7 +9941,7 @@
       </p:sp>
       <p:sp>
         <p:nvSpPr>
-          <p:cNvPr id="211" name="Google Shape;211;p25"/>
+          <p:cNvPr id="199" name="Google Shape;199;p25"/>
           <p:cNvSpPr txBox="1"/>
           <p:nvPr>
             <p:ph type="title"/>
@@ -10175,107 +10067,9 @@
           </a:p>
         </p:txBody>
       </p:sp>
-      <p:grpSp>
-        <p:nvGrpSpPr>
-          <p:cNvPr id="212" name="Google Shape;212;p25"/>
-          <p:cNvGrpSpPr/>
-          <p:nvPr/>
-        </p:nvGrpSpPr>
-        <p:grpSpPr>
-          <a:xfrm>
-            <a:off x="6917336" y="4812275"/>
-            <a:ext cx="1613268" cy="288299"/>
-            <a:chOff x="805865" y="375582"/>
-            <a:chExt cx="4067745" cy="755700"/>
-          </a:xfrm>
-        </p:grpSpPr>
-        <p:pic>
-          <p:nvPicPr>
-            <p:cNvPr id="213" name="Google Shape;213;p25"/>
-            <p:cNvPicPr preferRelativeResize="0"/>
-            <p:nvPr/>
-          </p:nvPicPr>
-          <p:blipFill>
-            <a:blip r:embed="rId3">
-              <a:alphaModFix/>
-            </a:blip>
-            <a:stretch>
-              <a:fillRect/>
-            </a:stretch>
-          </p:blipFill>
-          <p:spPr>
-            <a:xfrm>
-              <a:off x="4029638" y="375582"/>
-              <a:ext cx="843973" cy="755700"/>
-            </a:xfrm>
-            <a:prstGeom prst="rect">
-              <a:avLst/>
-            </a:prstGeom>
-            <a:noFill/>
-            <a:ln>
-              <a:noFill/>
-            </a:ln>
-          </p:spPr>
-        </p:pic>
-        <p:pic>
-          <p:nvPicPr>
-            <p:cNvPr id="214" name="Google Shape;214;p25"/>
-            <p:cNvPicPr preferRelativeResize="0"/>
-            <p:nvPr/>
-          </p:nvPicPr>
-          <p:blipFill rotWithShape="1">
-            <a:blip r:embed="rId4">
-              <a:alphaModFix/>
-            </a:blip>
-            <a:srcRect b="18507" l="13651" r="0" t="49643"/>
-            <a:stretch/>
-          </p:blipFill>
-          <p:spPr>
-            <a:xfrm>
-              <a:off x="2569425" y="544250"/>
-              <a:ext cx="1295350" cy="455700"/>
-            </a:xfrm>
-            <a:prstGeom prst="rect">
-              <a:avLst/>
-            </a:prstGeom>
-            <a:noFill/>
-            <a:ln>
-              <a:noFill/>
-            </a:ln>
-          </p:spPr>
-        </p:pic>
-        <p:pic>
-          <p:nvPicPr>
-            <p:cNvPr id="215" name="Google Shape;215;p25"/>
-            <p:cNvPicPr preferRelativeResize="0"/>
-            <p:nvPr/>
-          </p:nvPicPr>
-          <p:blipFill>
-            <a:blip r:embed="rId5">
-              <a:alphaModFix/>
-            </a:blip>
-            <a:stretch>
-              <a:fillRect/>
-            </a:stretch>
-          </p:blipFill>
-          <p:spPr>
-            <a:xfrm>
-              <a:off x="805865" y="576415"/>
-              <a:ext cx="1522500" cy="372700"/>
-            </a:xfrm>
-            <a:prstGeom prst="rect">
-              <a:avLst/>
-            </a:prstGeom>
-            <a:noFill/>
-            <a:ln>
-              <a:noFill/>
-            </a:ln>
-          </p:spPr>
-        </p:pic>
-      </p:grpSp>
       <p:sp>
         <p:nvSpPr>
-          <p:cNvPr id="216" name="Google Shape;216;p25"/>
+          <p:cNvPr id="200" name="Google Shape;200;p25"/>
           <p:cNvSpPr txBox="1"/>
           <p:nvPr/>
         </p:nvSpPr>
@@ -10340,7 +10134,7 @@
       </p:sp>
       <p:sp>
         <p:nvSpPr>
-          <p:cNvPr id="217" name="Google Shape;217;p25"/>
+          <p:cNvPr id="201" name="Google Shape;201;p25"/>
           <p:cNvSpPr txBox="1"/>
           <p:nvPr/>
         </p:nvSpPr>
@@ -10454,7 +10248,7 @@
       </p:sp>
       <p:sp>
         <p:nvSpPr>
-          <p:cNvPr id="218" name="Google Shape;218;p25"/>
+          <p:cNvPr id="202" name="Google Shape;202;p25"/>
           <p:cNvSpPr txBox="1"/>
           <p:nvPr/>
         </p:nvSpPr>
@@ -10836,6 +10630,77 @@
           </a:p>
         </p:txBody>
       </p:sp>
+      <p:grpSp>
+        <p:nvGrpSpPr>
+          <p:cNvPr id="203" name="Google Shape;203;p25"/>
+          <p:cNvGrpSpPr/>
+          <p:nvPr/>
+        </p:nvGrpSpPr>
+        <p:grpSpPr>
+          <a:xfrm>
+            <a:off x="7462201" y="4812275"/>
+            <a:ext cx="1068401" cy="288301"/>
+            <a:chOff x="7462201" y="4812275"/>
+            <a:chExt cx="1068401" cy="288301"/>
+          </a:xfrm>
+        </p:grpSpPr>
+        <p:pic>
+          <p:nvPicPr>
+            <p:cNvPr id="204" name="Google Shape;204;p25"/>
+            <p:cNvPicPr preferRelativeResize="0"/>
+            <p:nvPr/>
+          </p:nvPicPr>
+          <p:blipFill>
+            <a:blip r:embed="rId3">
+              <a:alphaModFix/>
+            </a:blip>
+            <a:stretch>
+              <a:fillRect/>
+            </a:stretch>
+          </p:blipFill>
+          <p:spPr>
+            <a:xfrm>
+              <a:off x="8195884" y="4812275"/>
+              <a:ext cx="334718" cy="288301"/>
+            </a:xfrm>
+            <a:prstGeom prst="rect">
+              <a:avLst/>
+            </a:prstGeom>
+            <a:noFill/>
+            <a:ln>
+              <a:noFill/>
+            </a:ln>
+          </p:spPr>
+        </p:pic>
+        <p:pic>
+          <p:nvPicPr>
+            <p:cNvPr id="205" name="Google Shape;205;p25"/>
+            <p:cNvPicPr preferRelativeResize="0"/>
+            <p:nvPr/>
+          </p:nvPicPr>
+          <p:blipFill>
+            <a:blip r:embed="rId4">
+              <a:alphaModFix/>
+            </a:blip>
+            <a:stretch>
+              <a:fillRect/>
+            </a:stretch>
+          </p:blipFill>
+          <p:spPr>
+            <a:xfrm>
+              <a:off x="7462201" y="4846024"/>
+              <a:ext cx="645825" cy="225525"/>
+            </a:xfrm>
+            <a:prstGeom prst="rect">
+              <a:avLst/>
+            </a:prstGeom>
+            <a:noFill/>
+            <a:ln>
+              <a:noFill/>
+            </a:ln>
+          </p:spPr>
+        </p:pic>
+      </p:grpSp>
     </p:spTree>
   </p:cSld>
   <p:clrMapOvr>
@@ -10849,7 +10714,7 @@
   <p:cSld>
     <p:spTree>
       <p:nvGrpSpPr>
-        <p:cNvPr id="222" name="Shape 222"/>
+        <p:cNvPr id="209" name="Shape 209"/>
         <p:cNvGrpSpPr/>
         <p:nvPr/>
       </p:nvGrpSpPr>
@@ -10863,7 +10728,7 @@
       </p:grpSpPr>
       <p:sp>
         <p:nvSpPr>
-          <p:cNvPr id="223" name="Google Shape;223;p26"/>
+          <p:cNvPr id="210" name="Google Shape;210;p26"/>
           <p:cNvSpPr/>
           <p:nvPr/>
         </p:nvSpPr>
@@ -10906,7 +10771,7 @@
       </p:sp>
       <p:sp>
         <p:nvSpPr>
-          <p:cNvPr id="224" name="Google Shape;224;p26"/>
+          <p:cNvPr id="211" name="Google Shape;211;p26"/>
           <p:cNvSpPr txBox="1"/>
           <p:nvPr>
             <p:ph type="title"/>
@@ -11032,107 +10897,9 @@
           </a:p>
         </p:txBody>
       </p:sp>
-      <p:grpSp>
-        <p:nvGrpSpPr>
-          <p:cNvPr id="225" name="Google Shape;225;p26"/>
-          <p:cNvGrpSpPr/>
-          <p:nvPr/>
-        </p:nvGrpSpPr>
-        <p:grpSpPr>
-          <a:xfrm>
-            <a:off x="6917336" y="4812275"/>
-            <a:ext cx="1613268" cy="288299"/>
-            <a:chOff x="805865" y="375582"/>
-            <a:chExt cx="4067745" cy="755700"/>
-          </a:xfrm>
-        </p:grpSpPr>
-        <p:pic>
-          <p:nvPicPr>
-            <p:cNvPr id="226" name="Google Shape;226;p26"/>
-            <p:cNvPicPr preferRelativeResize="0"/>
-            <p:nvPr/>
-          </p:nvPicPr>
-          <p:blipFill>
-            <a:blip r:embed="rId3">
-              <a:alphaModFix/>
-            </a:blip>
-            <a:stretch>
-              <a:fillRect/>
-            </a:stretch>
-          </p:blipFill>
-          <p:spPr>
-            <a:xfrm>
-              <a:off x="4029638" y="375582"/>
-              <a:ext cx="843973" cy="755700"/>
-            </a:xfrm>
-            <a:prstGeom prst="rect">
-              <a:avLst/>
-            </a:prstGeom>
-            <a:noFill/>
-            <a:ln>
-              <a:noFill/>
-            </a:ln>
-          </p:spPr>
-        </p:pic>
-        <p:pic>
-          <p:nvPicPr>
-            <p:cNvPr id="227" name="Google Shape;227;p26"/>
-            <p:cNvPicPr preferRelativeResize="0"/>
-            <p:nvPr/>
-          </p:nvPicPr>
-          <p:blipFill rotWithShape="1">
-            <a:blip r:embed="rId4">
-              <a:alphaModFix/>
-            </a:blip>
-            <a:srcRect b="18507" l="13651" r="0" t="49643"/>
-            <a:stretch/>
-          </p:blipFill>
-          <p:spPr>
-            <a:xfrm>
-              <a:off x="2569425" y="544250"/>
-              <a:ext cx="1295350" cy="455700"/>
-            </a:xfrm>
-            <a:prstGeom prst="rect">
-              <a:avLst/>
-            </a:prstGeom>
-            <a:noFill/>
-            <a:ln>
-              <a:noFill/>
-            </a:ln>
-          </p:spPr>
-        </p:pic>
-        <p:pic>
-          <p:nvPicPr>
-            <p:cNvPr id="228" name="Google Shape;228;p26"/>
-            <p:cNvPicPr preferRelativeResize="0"/>
-            <p:nvPr/>
-          </p:nvPicPr>
-          <p:blipFill>
-            <a:blip r:embed="rId5">
-              <a:alphaModFix/>
-            </a:blip>
-            <a:stretch>
-              <a:fillRect/>
-            </a:stretch>
-          </p:blipFill>
-          <p:spPr>
-            <a:xfrm>
-              <a:off x="805865" y="576415"/>
-              <a:ext cx="1522500" cy="372700"/>
-            </a:xfrm>
-            <a:prstGeom prst="rect">
-              <a:avLst/>
-            </a:prstGeom>
-            <a:noFill/>
-            <a:ln>
-              <a:noFill/>
-            </a:ln>
-          </p:spPr>
-        </p:pic>
-      </p:grpSp>
       <p:sp>
         <p:nvSpPr>
-          <p:cNvPr id="229" name="Google Shape;229;p26"/>
+          <p:cNvPr id="212" name="Google Shape;212;p26"/>
           <p:cNvSpPr txBox="1"/>
           <p:nvPr>
             <p:ph idx="1" type="body"/>
@@ -11449,6 +11216,77 @@
           </a:p>
         </p:txBody>
       </p:sp>
+      <p:grpSp>
+        <p:nvGrpSpPr>
+          <p:cNvPr id="213" name="Google Shape;213;p26"/>
+          <p:cNvGrpSpPr/>
+          <p:nvPr/>
+        </p:nvGrpSpPr>
+        <p:grpSpPr>
+          <a:xfrm>
+            <a:off x="7462201" y="4812275"/>
+            <a:ext cx="1068401" cy="288301"/>
+            <a:chOff x="7462201" y="4812275"/>
+            <a:chExt cx="1068401" cy="288301"/>
+          </a:xfrm>
+        </p:grpSpPr>
+        <p:pic>
+          <p:nvPicPr>
+            <p:cNvPr id="214" name="Google Shape;214;p26"/>
+            <p:cNvPicPr preferRelativeResize="0"/>
+            <p:nvPr/>
+          </p:nvPicPr>
+          <p:blipFill>
+            <a:blip r:embed="rId3">
+              <a:alphaModFix/>
+            </a:blip>
+            <a:stretch>
+              <a:fillRect/>
+            </a:stretch>
+          </p:blipFill>
+          <p:spPr>
+            <a:xfrm>
+              <a:off x="8195884" y="4812275"/>
+              <a:ext cx="334718" cy="288301"/>
+            </a:xfrm>
+            <a:prstGeom prst="rect">
+              <a:avLst/>
+            </a:prstGeom>
+            <a:noFill/>
+            <a:ln>
+              <a:noFill/>
+            </a:ln>
+          </p:spPr>
+        </p:pic>
+        <p:pic>
+          <p:nvPicPr>
+            <p:cNvPr id="215" name="Google Shape;215;p26"/>
+            <p:cNvPicPr preferRelativeResize="0"/>
+            <p:nvPr/>
+          </p:nvPicPr>
+          <p:blipFill>
+            <a:blip r:embed="rId4">
+              <a:alphaModFix/>
+            </a:blip>
+            <a:stretch>
+              <a:fillRect/>
+            </a:stretch>
+          </p:blipFill>
+          <p:spPr>
+            <a:xfrm>
+              <a:off x="7462201" y="4846024"/>
+              <a:ext cx="645825" cy="225525"/>
+            </a:xfrm>
+            <a:prstGeom prst="rect">
+              <a:avLst/>
+            </a:prstGeom>
+            <a:noFill/>
+            <a:ln>
+              <a:noFill/>
+            </a:ln>
+          </p:spPr>
+        </p:pic>
+      </p:grpSp>
     </p:spTree>
   </p:cSld>
   <p:clrMapOvr>
@@ -11462,7 +11300,7 @@
   <p:cSld>
     <p:spTree>
       <p:nvGrpSpPr>
-        <p:cNvPr id="233" name="Shape 233"/>
+        <p:cNvPr id="219" name="Shape 219"/>
         <p:cNvGrpSpPr/>
         <p:nvPr/>
       </p:nvGrpSpPr>
@@ -11476,7 +11314,7 @@
       </p:grpSpPr>
       <p:sp>
         <p:nvSpPr>
-          <p:cNvPr id="234" name="Google Shape;234;p27"/>
+          <p:cNvPr id="220" name="Google Shape;220;p27"/>
           <p:cNvSpPr/>
           <p:nvPr/>
         </p:nvSpPr>
@@ -11519,7 +11357,7 @@
       </p:sp>
       <p:sp>
         <p:nvSpPr>
-          <p:cNvPr id="235" name="Google Shape;235;p27"/>
+          <p:cNvPr id="221" name="Google Shape;221;p27"/>
           <p:cNvSpPr txBox="1"/>
           <p:nvPr>
             <p:ph type="title"/>
@@ -11645,107 +11483,9 @@
           </a:p>
         </p:txBody>
       </p:sp>
-      <p:grpSp>
-        <p:nvGrpSpPr>
-          <p:cNvPr id="236" name="Google Shape;236;p27"/>
-          <p:cNvGrpSpPr/>
-          <p:nvPr/>
-        </p:nvGrpSpPr>
-        <p:grpSpPr>
-          <a:xfrm>
-            <a:off x="6917336" y="4812275"/>
-            <a:ext cx="1613268" cy="288299"/>
-            <a:chOff x="805865" y="375582"/>
-            <a:chExt cx="4067745" cy="755700"/>
-          </a:xfrm>
-        </p:grpSpPr>
-        <p:pic>
-          <p:nvPicPr>
-            <p:cNvPr id="237" name="Google Shape;237;p27"/>
-            <p:cNvPicPr preferRelativeResize="0"/>
-            <p:nvPr/>
-          </p:nvPicPr>
-          <p:blipFill>
-            <a:blip r:embed="rId3">
-              <a:alphaModFix/>
-            </a:blip>
-            <a:stretch>
-              <a:fillRect/>
-            </a:stretch>
-          </p:blipFill>
-          <p:spPr>
-            <a:xfrm>
-              <a:off x="4029638" y="375582"/>
-              <a:ext cx="843973" cy="755700"/>
-            </a:xfrm>
-            <a:prstGeom prst="rect">
-              <a:avLst/>
-            </a:prstGeom>
-            <a:noFill/>
-            <a:ln>
-              <a:noFill/>
-            </a:ln>
-          </p:spPr>
-        </p:pic>
-        <p:pic>
-          <p:nvPicPr>
-            <p:cNvPr id="238" name="Google Shape;238;p27"/>
-            <p:cNvPicPr preferRelativeResize="0"/>
-            <p:nvPr/>
-          </p:nvPicPr>
-          <p:blipFill rotWithShape="1">
-            <a:blip r:embed="rId4">
-              <a:alphaModFix/>
-            </a:blip>
-            <a:srcRect b="18507" l="13651" r="0" t="49643"/>
-            <a:stretch/>
-          </p:blipFill>
-          <p:spPr>
-            <a:xfrm>
-              <a:off x="2569425" y="544250"/>
-              <a:ext cx="1295350" cy="455700"/>
-            </a:xfrm>
-            <a:prstGeom prst="rect">
-              <a:avLst/>
-            </a:prstGeom>
-            <a:noFill/>
-            <a:ln>
-              <a:noFill/>
-            </a:ln>
-          </p:spPr>
-        </p:pic>
-        <p:pic>
-          <p:nvPicPr>
-            <p:cNvPr id="239" name="Google Shape;239;p27"/>
-            <p:cNvPicPr preferRelativeResize="0"/>
-            <p:nvPr/>
-          </p:nvPicPr>
-          <p:blipFill>
-            <a:blip r:embed="rId5">
-              <a:alphaModFix/>
-            </a:blip>
-            <a:stretch>
-              <a:fillRect/>
-            </a:stretch>
-          </p:blipFill>
-          <p:spPr>
-            <a:xfrm>
-              <a:off x="805865" y="576415"/>
-              <a:ext cx="1522500" cy="372700"/>
-            </a:xfrm>
-            <a:prstGeom prst="rect">
-              <a:avLst/>
-            </a:prstGeom>
-            <a:noFill/>
-            <a:ln>
-              <a:noFill/>
-            </a:ln>
-          </p:spPr>
-        </p:pic>
-      </p:grpSp>
       <p:sp>
         <p:nvSpPr>
-          <p:cNvPr id="240" name="Google Shape;240;p27"/>
+          <p:cNvPr id="222" name="Google Shape;222;p27"/>
           <p:cNvSpPr txBox="1"/>
           <p:nvPr/>
         </p:nvSpPr>
@@ -11810,7 +11550,7 @@
       </p:sp>
       <p:sp>
         <p:nvSpPr>
-          <p:cNvPr id="241" name="Google Shape;241;p27"/>
+          <p:cNvPr id="223" name="Google Shape;223;p27"/>
           <p:cNvSpPr txBox="1"/>
           <p:nvPr/>
         </p:nvSpPr>
@@ -11924,7 +11664,7 @@
       </p:sp>
       <p:sp>
         <p:nvSpPr>
-          <p:cNvPr id="242" name="Google Shape;242;p27"/>
+          <p:cNvPr id="224" name="Google Shape;224;p27"/>
           <p:cNvSpPr txBox="1"/>
           <p:nvPr/>
         </p:nvSpPr>
@@ -12227,6 +11967,77 @@
           </a:p>
         </p:txBody>
       </p:sp>
+      <p:grpSp>
+        <p:nvGrpSpPr>
+          <p:cNvPr id="225" name="Google Shape;225;p27"/>
+          <p:cNvGrpSpPr/>
+          <p:nvPr/>
+        </p:nvGrpSpPr>
+        <p:grpSpPr>
+          <a:xfrm>
+            <a:off x="7462201" y="4812275"/>
+            <a:ext cx="1068401" cy="288301"/>
+            <a:chOff x="7462201" y="4812275"/>
+            <a:chExt cx="1068401" cy="288301"/>
+          </a:xfrm>
+        </p:grpSpPr>
+        <p:pic>
+          <p:nvPicPr>
+            <p:cNvPr id="226" name="Google Shape;226;p27"/>
+            <p:cNvPicPr preferRelativeResize="0"/>
+            <p:nvPr/>
+          </p:nvPicPr>
+          <p:blipFill>
+            <a:blip r:embed="rId3">
+              <a:alphaModFix/>
+            </a:blip>
+            <a:stretch>
+              <a:fillRect/>
+            </a:stretch>
+          </p:blipFill>
+          <p:spPr>
+            <a:xfrm>
+              <a:off x="8195884" y="4812275"/>
+              <a:ext cx="334718" cy="288301"/>
+            </a:xfrm>
+            <a:prstGeom prst="rect">
+              <a:avLst/>
+            </a:prstGeom>
+            <a:noFill/>
+            <a:ln>
+              <a:noFill/>
+            </a:ln>
+          </p:spPr>
+        </p:pic>
+        <p:pic>
+          <p:nvPicPr>
+            <p:cNvPr id="227" name="Google Shape;227;p27"/>
+            <p:cNvPicPr preferRelativeResize="0"/>
+            <p:nvPr/>
+          </p:nvPicPr>
+          <p:blipFill>
+            <a:blip r:embed="rId4">
+              <a:alphaModFix/>
+            </a:blip>
+            <a:stretch>
+              <a:fillRect/>
+            </a:stretch>
+          </p:blipFill>
+          <p:spPr>
+            <a:xfrm>
+              <a:off x="7462201" y="4846024"/>
+              <a:ext cx="645825" cy="225525"/>
+            </a:xfrm>
+            <a:prstGeom prst="rect">
+              <a:avLst/>
+            </a:prstGeom>
+            <a:noFill/>
+            <a:ln>
+              <a:noFill/>
+            </a:ln>
+          </p:spPr>
+        </p:pic>
+      </p:grpSp>
     </p:spTree>
   </p:cSld>
   <p:clrMapOvr>
@@ -12240,7 +12051,7 @@
   <p:cSld>
     <p:spTree>
       <p:nvGrpSpPr>
-        <p:cNvPr id="246" name="Shape 246"/>
+        <p:cNvPr id="231" name="Shape 231"/>
         <p:cNvGrpSpPr/>
         <p:nvPr/>
       </p:nvGrpSpPr>
@@ -12254,7 +12065,7 @@
       </p:grpSpPr>
       <p:sp>
         <p:nvSpPr>
-          <p:cNvPr id="247" name="Google Shape;247;p28"/>
+          <p:cNvPr id="232" name="Google Shape;232;p28"/>
           <p:cNvSpPr/>
           <p:nvPr/>
         </p:nvSpPr>
@@ -12297,7 +12108,7 @@
       </p:sp>
       <p:sp>
         <p:nvSpPr>
-          <p:cNvPr id="248" name="Google Shape;248;p28"/>
+          <p:cNvPr id="233" name="Google Shape;233;p28"/>
           <p:cNvSpPr txBox="1"/>
           <p:nvPr>
             <p:ph type="title"/>
@@ -12423,107 +12234,9 @@
           </a:p>
         </p:txBody>
       </p:sp>
-      <p:grpSp>
-        <p:nvGrpSpPr>
-          <p:cNvPr id="249" name="Google Shape;249;p28"/>
-          <p:cNvGrpSpPr/>
-          <p:nvPr/>
-        </p:nvGrpSpPr>
-        <p:grpSpPr>
-          <a:xfrm>
-            <a:off x="6917336" y="4812275"/>
-            <a:ext cx="1613268" cy="288299"/>
-            <a:chOff x="805865" y="375582"/>
-            <a:chExt cx="4067745" cy="755700"/>
-          </a:xfrm>
-        </p:grpSpPr>
-        <p:pic>
-          <p:nvPicPr>
-            <p:cNvPr id="250" name="Google Shape;250;p28"/>
-            <p:cNvPicPr preferRelativeResize="0"/>
-            <p:nvPr/>
-          </p:nvPicPr>
-          <p:blipFill>
-            <a:blip r:embed="rId3">
-              <a:alphaModFix/>
-            </a:blip>
-            <a:stretch>
-              <a:fillRect/>
-            </a:stretch>
-          </p:blipFill>
-          <p:spPr>
-            <a:xfrm>
-              <a:off x="4029638" y="375582"/>
-              <a:ext cx="843973" cy="755700"/>
-            </a:xfrm>
-            <a:prstGeom prst="rect">
-              <a:avLst/>
-            </a:prstGeom>
-            <a:noFill/>
-            <a:ln>
-              <a:noFill/>
-            </a:ln>
-          </p:spPr>
-        </p:pic>
-        <p:pic>
-          <p:nvPicPr>
-            <p:cNvPr id="251" name="Google Shape;251;p28"/>
-            <p:cNvPicPr preferRelativeResize="0"/>
-            <p:nvPr/>
-          </p:nvPicPr>
-          <p:blipFill rotWithShape="1">
-            <a:blip r:embed="rId4">
-              <a:alphaModFix/>
-            </a:blip>
-            <a:srcRect b="18507" l="13651" r="0" t="49643"/>
-            <a:stretch/>
-          </p:blipFill>
-          <p:spPr>
-            <a:xfrm>
-              <a:off x="2569425" y="544250"/>
-              <a:ext cx="1295350" cy="455700"/>
-            </a:xfrm>
-            <a:prstGeom prst="rect">
-              <a:avLst/>
-            </a:prstGeom>
-            <a:noFill/>
-            <a:ln>
-              <a:noFill/>
-            </a:ln>
-          </p:spPr>
-        </p:pic>
-        <p:pic>
-          <p:nvPicPr>
-            <p:cNvPr id="252" name="Google Shape;252;p28"/>
-            <p:cNvPicPr preferRelativeResize="0"/>
-            <p:nvPr/>
-          </p:nvPicPr>
-          <p:blipFill>
-            <a:blip r:embed="rId5">
-              <a:alphaModFix/>
-            </a:blip>
-            <a:stretch>
-              <a:fillRect/>
-            </a:stretch>
-          </p:blipFill>
-          <p:spPr>
-            <a:xfrm>
-              <a:off x="805865" y="576415"/>
-              <a:ext cx="1522500" cy="372700"/>
-            </a:xfrm>
-            <a:prstGeom prst="rect">
-              <a:avLst/>
-            </a:prstGeom>
-            <a:noFill/>
-            <a:ln>
-              <a:noFill/>
-            </a:ln>
-          </p:spPr>
-        </p:pic>
-      </p:grpSp>
       <p:sp>
         <p:nvSpPr>
-          <p:cNvPr id="253" name="Google Shape;253;p28"/>
+          <p:cNvPr id="234" name="Google Shape;234;p28"/>
           <p:cNvSpPr txBox="1"/>
           <p:nvPr/>
         </p:nvSpPr>
@@ -12712,7 +12425,7 @@
       </p:sp>
       <p:sp>
         <p:nvSpPr>
-          <p:cNvPr id="254" name="Google Shape;254;p28"/>
+          <p:cNvPr id="235" name="Google Shape;235;p28"/>
           <p:cNvSpPr txBox="1"/>
           <p:nvPr/>
         </p:nvSpPr>
@@ -12777,7 +12490,7 @@
       </p:sp>
       <p:sp>
         <p:nvSpPr>
-          <p:cNvPr id="255" name="Google Shape;255;p28"/>
+          <p:cNvPr id="236" name="Google Shape;236;p28"/>
           <p:cNvSpPr txBox="1"/>
           <p:nvPr/>
         </p:nvSpPr>
@@ -12889,6 +12602,77 @@
           </a:p>
         </p:txBody>
       </p:sp>
+      <p:grpSp>
+        <p:nvGrpSpPr>
+          <p:cNvPr id="237" name="Google Shape;237;p28"/>
+          <p:cNvGrpSpPr/>
+          <p:nvPr/>
+        </p:nvGrpSpPr>
+        <p:grpSpPr>
+          <a:xfrm>
+            <a:off x="7462201" y="4812275"/>
+            <a:ext cx="1068401" cy="288301"/>
+            <a:chOff x="7462201" y="4812275"/>
+            <a:chExt cx="1068401" cy="288301"/>
+          </a:xfrm>
+        </p:grpSpPr>
+        <p:pic>
+          <p:nvPicPr>
+            <p:cNvPr id="238" name="Google Shape;238;p28"/>
+            <p:cNvPicPr preferRelativeResize="0"/>
+            <p:nvPr/>
+          </p:nvPicPr>
+          <p:blipFill>
+            <a:blip r:embed="rId3">
+              <a:alphaModFix/>
+            </a:blip>
+            <a:stretch>
+              <a:fillRect/>
+            </a:stretch>
+          </p:blipFill>
+          <p:spPr>
+            <a:xfrm>
+              <a:off x="8195884" y="4812275"/>
+              <a:ext cx="334718" cy="288301"/>
+            </a:xfrm>
+            <a:prstGeom prst="rect">
+              <a:avLst/>
+            </a:prstGeom>
+            <a:noFill/>
+            <a:ln>
+              <a:noFill/>
+            </a:ln>
+          </p:spPr>
+        </p:pic>
+        <p:pic>
+          <p:nvPicPr>
+            <p:cNvPr id="239" name="Google Shape;239;p28"/>
+            <p:cNvPicPr preferRelativeResize="0"/>
+            <p:nvPr/>
+          </p:nvPicPr>
+          <p:blipFill>
+            <a:blip r:embed="rId4">
+              <a:alphaModFix/>
+            </a:blip>
+            <a:stretch>
+              <a:fillRect/>
+            </a:stretch>
+          </p:blipFill>
+          <p:spPr>
+            <a:xfrm>
+              <a:off x="7462201" y="4846024"/>
+              <a:ext cx="645825" cy="225525"/>
+            </a:xfrm>
+            <a:prstGeom prst="rect">
+              <a:avLst/>
+            </a:prstGeom>
+            <a:noFill/>
+            <a:ln>
+              <a:noFill/>
+            </a:ln>
+          </p:spPr>
+        </p:pic>
+      </p:grpSp>
     </p:spTree>
   </p:cSld>
   <p:clrMapOvr>
@@ -12902,7 +12686,7 @@
   <p:cSld>
     <p:spTree>
       <p:nvGrpSpPr>
-        <p:cNvPr id="259" name="Shape 259"/>
+        <p:cNvPr id="243" name="Shape 243"/>
         <p:cNvGrpSpPr/>
         <p:nvPr/>
       </p:nvGrpSpPr>
@@ -12916,7 +12700,7 @@
       </p:grpSpPr>
       <p:sp>
         <p:nvSpPr>
-          <p:cNvPr id="260" name="Google Shape;260;p29"/>
+          <p:cNvPr id="244" name="Google Shape;244;p29"/>
           <p:cNvSpPr/>
           <p:nvPr/>
         </p:nvSpPr>
@@ -12959,7 +12743,7 @@
       </p:sp>
       <p:sp>
         <p:nvSpPr>
-          <p:cNvPr id="261" name="Google Shape;261;p29"/>
+          <p:cNvPr id="245" name="Google Shape;245;p29"/>
           <p:cNvSpPr txBox="1"/>
           <p:nvPr>
             <p:ph type="title"/>
@@ -13085,107 +12869,9 @@
           </a:p>
         </p:txBody>
       </p:sp>
-      <p:grpSp>
-        <p:nvGrpSpPr>
-          <p:cNvPr id="262" name="Google Shape;262;p29"/>
-          <p:cNvGrpSpPr/>
-          <p:nvPr/>
-        </p:nvGrpSpPr>
-        <p:grpSpPr>
-          <a:xfrm>
-            <a:off x="6917336" y="4812275"/>
-            <a:ext cx="1613268" cy="288299"/>
-            <a:chOff x="805865" y="375582"/>
-            <a:chExt cx="4067745" cy="755700"/>
-          </a:xfrm>
-        </p:grpSpPr>
-        <p:pic>
-          <p:nvPicPr>
-            <p:cNvPr id="263" name="Google Shape;263;p29"/>
-            <p:cNvPicPr preferRelativeResize="0"/>
-            <p:nvPr/>
-          </p:nvPicPr>
-          <p:blipFill>
-            <a:blip r:embed="rId3">
-              <a:alphaModFix/>
-            </a:blip>
-            <a:stretch>
-              <a:fillRect/>
-            </a:stretch>
-          </p:blipFill>
-          <p:spPr>
-            <a:xfrm>
-              <a:off x="4029638" y="375582"/>
-              <a:ext cx="843973" cy="755700"/>
-            </a:xfrm>
-            <a:prstGeom prst="rect">
-              <a:avLst/>
-            </a:prstGeom>
-            <a:noFill/>
-            <a:ln>
-              <a:noFill/>
-            </a:ln>
-          </p:spPr>
-        </p:pic>
-        <p:pic>
-          <p:nvPicPr>
-            <p:cNvPr id="264" name="Google Shape;264;p29"/>
-            <p:cNvPicPr preferRelativeResize="0"/>
-            <p:nvPr/>
-          </p:nvPicPr>
-          <p:blipFill rotWithShape="1">
-            <a:blip r:embed="rId4">
-              <a:alphaModFix/>
-            </a:blip>
-            <a:srcRect b="18507" l="13651" r="0" t="49643"/>
-            <a:stretch/>
-          </p:blipFill>
-          <p:spPr>
-            <a:xfrm>
-              <a:off x="2569425" y="544250"/>
-              <a:ext cx="1295350" cy="455700"/>
-            </a:xfrm>
-            <a:prstGeom prst="rect">
-              <a:avLst/>
-            </a:prstGeom>
-            <a:noFill/>
-            <a:ln>
-              <a:noFill/>
-            </a:ln>
-          </p:spPr>
-        </p:pic>
-        <p:pic>
-          <p:nvPicPr>
-            <p:cNvPr id="265" name="Google Shape;265;p29"/>
-            <p:cNvPicPr preferRelativeResize="0"/>
-            <p:nvPr/>
-          </p:nvPicPr>
-          <p:blipFill>
-            <a:blip r:embed="rId5">
-              <a:alphaModFix/>
-            </a:blip>
-            <a:stretch>
-              <a:fillRect/>
-            </a:stretch>
-          </p:blipFill>
-          <p:spPr>
-            <a:xfrm>
-              <a:off x="805865" y="576415"/>
-              <a:ext cx="1522500" cy="372700"/>
-            </a:xfrm>
-            <a:prstGeom prst="rect">
-              <a:avLst/>
-            </a:prstGeom>
-            <a:noFill/>
-            <a:ln>
-              <a:noFill/>
-            </a:ln>
-          </p:spPr>
-        </p:pic>
-      </p:grpSp>
       <p:sp>
         <p:nvSpPr>
-          <p:cNvPr id="266" name="Google Shape;266;p29"/>
+          <p:cNvPr id="246" name="Google Shape;246;p29"/>
           <p:cNvSpPr txBox="1"/>
           <p:nvPr>
             <p:ph idx="1" type="body"/>
@@ -13342,6 +13028,77 @@
           </a:p>
         </p:txBody>
       </p:sp>
+      <p:grpSp>
+        <p:nvGrpSpPr>
+          <p:cNvPr id="247" name="Google Shape;247;p29"/>
+          <p:cNvGrpSpPr/>
+          <p:nvPr/>
+        </p:nvGrpSpPr>
+        <p:grpSpPr>
+          <a:xfrm>
+            <a:off x="7462201" y="4812275"/>
+            <a:ext cx="1068401" cy="288301"/>
+            <a:chOff x="7462201" y="4812275"/>
+            <a:chExt cx="1068401" cy="288301"/>
+          </a:xfrm>
+        </p:grpSpPr>
+        <p:pic>
+          <p:nvPicPr>
+            <p:cNvPr id="248" name="Google Shape;248;p29"/>
+            <p:cNvPicPr preferRelativeResize="0"/>
+            <p:nvPr/>
+          </p:nvPicPr>
+          <p:blipFill>
+            <a:blip r:embed="rId3">
+              <a:alphaModFix/>
+            </a:blip>
+            <a:stretch>
+              <a:fillRect/>
+            </a:stretch>
+          </p:blipFill>
+          <p:spPr>
+            <a:xfrm>
+              <a:off x="8195884" y="4812275"/>
+              <a:ext cx="334718" cy="288301"/>
+            </a:xfrm>
+            <a:prstGeom prst="rect">
+              <a:avLst/>
+            </a:prstGeom>
+            <a:noFill/>
+            <a:ln>
+              <a:noFill/>
+            </a:ln>
+          </p:spPr>
+        </p:pic>
+        <p:pic>
+          <p:nvPicPr>
+            <p:cNvPr id="249" name="Google Shape;249;p29"/>
+            <p:cNvPicPr preferRelativeResize="0"/>
+            <p:nvPr/>
+          </p:nvPicPr>
+          <p:blipFill>
+            <a:blip r:embed="rId4">
+              <a:alphaModFix/>
+            </a:blip>
+            <a:stretch>
+              <a:fillRect/>
+            </a:stretch>
+          </p:blipFill>
+          <p:spPr>
+            <a:xfrm>
+              <a:off x="7462201" y="4846024"/>
+              <a:ext cx="645825" cy="225525"/>
+            </a:xfrm>
+            <a:prstGeom prst="rect">
+              <a:avLst/>
+            </a:prstGeom>
+            <a:noFill/>
+            <a:ln>
+              <a:noFill/>
+            </a:ln>
+          </p:spPr>
+        </p:pic>
+      </p:grpSp>
     </p:spTree>
   </p:cSld>
   <p:clrMapOvr>
@@ -13355,7 +13112,7 @@
   <p:cSld>
     <p:spTree>
       <p:nvGrpSpPr>
-        <p:cNvPr id="270" name="Shape 270"/>
+        <p:cNvPr id="253" name="Shape 253"/>
         <p:cNvGrpSpPr/>
         <p:nvPr/>
       </p:nvGrpSpPr>
@@ -13369,7 +13126,7 @@
       </p:grpSpPr>
       <p:sp>
         <p:nvSpPr>
-          <p:cNvPr id="271" name="Google Shape;271;p30"/>
+          <p:cNvPr id="254" name="Google Shape;254;p30"/>
           <p:cNvSpPr/>
           <p:nvPr/>
         </p:nvSpPr>
@@ -13412,7 +13169,7 @@
       </p:sp>
       <p:sp>
         <p:nvSpPr>
-          <p:cNvPr id="272" name="Google Shape;272;p30"/>
+          <p:cNvPr id="255" name="Google Shape;255;p30"/>
           <p:cNvSpPr txBox="1"/>
           <p:nvPr>
             <p:ph type="title"/>
@@ -13538,107 +13295,9 @@
           </a:p>
         </p:txBody>
       </p:sp>
-      <p:grpSp>
-        <p:nvGrpSpPr>
-          <p:cNvPr id="273" name="Google Shape;273;p30"/>
-          <p:cNvGrpSpPr/>
-          <p:nvPr/>
-        </p:nvGrpSpPr>
-        <p:grpSpPr>
-          <a:xfrm>
-            <a:off x="6917336" y="4812275"/>
-            <a:ext cx="1613268" cy="288299"/>
-            <a:chOff x="805865" y="375582"/>
-            <a:chExt cx="4067745" cy="755700"/>
-          </a:xfrm>
-        </p:grpSpPr>
-        <p:pic>
-          <p:nvPicPr>
-            <p:cNvPr id="274" name="Google Shape;274;p30"/>
-            <p:cNvPicPr preferRelativeResize="0"/>
-            <p:nvPr/>
-          </p:nvPicPr>
-          <p:blipFill>
-            <a:blip r:embed="rId3">
-              <a:alphaModFix/>
-            </a:blip>
-            <a:stretch>
-              <a:fillRect/>
-            </a:stretch>
-          </p:blipFill>
-          <p:spPr>
-            <a:xfrm>
-              <a:off x="4029638" y="375582"/>
-              <a:ext cx="843973" cy="755700"/>
-            </a:xfrm>
-            <a:prstGeom prst="rect">
-              <a:avLst/>
-            </a:prstGeom>
-            <a:noFill/>
-            <a:ln>
-              <a:noFill/>
-            </a:ln>
-          </p:spPr>
-        </p:pic>
-        <p:pic>
-          <p:nvPicPr>
-            <p:cNvPr id="275" name="Google Shape;275;p30"/>
-            <p:cNvPicPr preferRelativeResize="0"/>
-            <p:nvPr/>
-          </p:nvPicPr>
-          <p:blipFill rotWithShape="1">
-            <a:blip r:embed="rId4">
-              <a:alphaModFix/>
-            </a:blip>
-            <a:srcRect b="18507" l="13651" r="0" t="49643"/>
-            <a:stretch/>
-          </p:blipFill>
-          <p:spPr>
-            <a:xfrm>
-              <a:off x="2569425" y="544250"/>
-              <a:ext cx="1295350" cy="455700"/>
-            </a:xfrm>
-            <a:prstGeom prst="rect">
-              <a:avLst/>
-            </a:prstGeom>
-            <a:noFill/>
-            <a:ln>
-              <a:noFill/>
-            </a:ln>
-          </p:spPr>
-        </p:pic>
-        <p:pic>
-          <p:nvPicPr>
-            <p:cNvPr id="276" name="Google Shape;276;p30"/>
-            <p:cNvPicPr preferRelativeResize="0"/>
-            <p:nvPr/>
-          </p:nvPicPr>
-          <p:blipFill>
-            <a:blip r:embed="rId5">
-              <a:alphaModFix/>
-            </a:blip>
-            <a:stretch>
-              <a:fillRect/>
-            </a:stretch>
-          </p:blipFill>
-          <p:spPr>
-            <a:xfrm>
-              <a:off x="805865" y="576415"/>
-              <a:ext cx="1522500" cy="372700"/>
-            </a:xfrm>
-            <a:prstGeom prst="rect">
-              <a:avLst/>
-            </a:prstGeom>
-            <a:noFill/>
-            <a:ln>
-              <a:noFill/>
-            </a:ln>
-          </p:spPr>
-        </p:pic>
-      </p:grpSp>
       <p:sp>
         <p:nvSpPr>
-          <p:cNvPr id="277" name="Google Shape;277;p30"/>
+          <p:cNvPr id="256" name="Google Shape;256;p30"/>
           <p:cNvSpPr txBox="1"/>
           <p:nvPr/>
         </p:nvSpPr>
@@ -13703,7 +13362,7 @@
       </p:sp>
       <p:sp>
         <p:nvSpPr>
-          <p:cNvPr id="278" name="Google Shape;278;p30"/>
+          <p:cNvPr id="257" name="Google Shape;257;p30"/>
           <p:cNvSpPr txBox="1"/>
           <p:nvPr/>
         </p:nvSpPr>
@@ -13817,7 +13476,7 @@
       </p:sp>
       <p:sp>
         <p:nvSpPr>
-          <p:cNvPr id="279" name="Google Shape;279;p30"/>
+          <p:cNvPr id="258" name="Google Shape;258;p30"/>
           <p:cNvSpPr txBox="1"/>
           <p:nvPr/>
         </p:nvSpPr>
@@ -14120,6 +13779,77 @@
           </a:p>
         </p:txBody>
       </p:sp>
+      <p:grpSp>
+        <p:nvGrpSpPr>
+          <p:cNvPr id="259" name="Google Shape;259;p30"/>
+          <p:cNvGrpSpPr/>
+          <p:nvPr/>
+        </p:nvGrpSpPr>
+        <p:grpSpPr>
+          <a:xfrm>
+            <a:off x="7462201" y="4812275"/>
+            <a:ext cx="1068401" cy="288301"/>
+            <a:chOff x="7462201" y="4812275"/>
+            <a:chExt cx="1068401" cy="288301"/>
+          </a:xfrm>
+        </p:grpSpPr>
+        <p:pic>
+          <p:nvPicPr>
+            <p:cNvPr id="260" name="Google Shape;260;p30"/>
+            <p:cNvPicPr preferRelativeResize="0"/>
+            <p:nvPr/>
+          </p:nvPicPr>
+          <p:blipFill>
+            <a:blip r:embed="rId3">
+              <a:alphaModFix/>
+            </a:blip>
+            <a:stretch>
+              <a:fillRect/>
+            </a:stretch>
+          </p:blipFill>
+          <p:spPr>
+            <a:xfrm>
+              <a:off x="8195884" y="4812275"/>
+              <a:ext cx="334718" cy="288301"/>
+            </a:xfrm>
+            <a:prstGeom prst="rect">
+              <a:avLst/>
+            </a:prstGeom>
+            <a:noFill/>
+            <a:ln>
+              <a:noFill/>
+            </a:ln>
+          </p:spPr>
+        </p:pic>
+        <p:pic>
+          <p:nvPicPr>
+            <p:cNvPr id="261" name="Google Shape;261;p30"/>
+            <p:cNvPicPr preferRelativeResize="0"/>
+            <p:nvPr/>
+          </p:nvPicPr>
+          <p:blipFill>
+            <a:blip r:embed="rId4">
+              <a:alphaModFix/>
+            </a:blip>
+            <a:stretch>
+              <a:fillRect/>
+            </a:stretch>
+          </p:blipFill>
+          <p:spPr>
+            <a:xfrm>
+              <a:off x="7462201" y="4846024"/>
+              <a:ext cx="645825" cy="225525"/>
+            </a:xfrm>
+            <a:prstGeom prst="rect">
+              <a:avLst/>
+            </a:prstGeom>
+            <a:noFill/>
+            <a:ln>
+              <a:noFill/>
+            </a:ln>
+          </p:spPr>
+        </p:pic>
+      </p:grpSp>
     </p:spTree>
   </p:cSld>
   <p:clrMapOvr>
@@ -14133,7 +13863,7 @@
   <p:cSld>
     <p:spTree>
       <p:nvGrpSpPr>
-        <p:cNvPr id="283" name="Shape 283"/>
+        <p:cNvPr id="265" name="Shape 265"/>
         <p:cNvGrpSpPr/>
         <p:nvPr/>
       </p:nvGrpSpPr>
@@ -14147,7 +13877,7 @@
       </p:grpSpPr>
       <p:sp>
         <p:nvSpPr>
-          <p:cNvPr id="284" name="Google Shape;284;p31"/>
+          <p:cNvPr id="266" name="Google Shape;266;p31"/>
           <p:cNvSpPr/>
           <p:nvPr/>
         </p:nvSpPr>
@@ -14190,7 +13920,7 @@
       </p:sp>
       <p:sp>
         <p:nvSpPr>
-          <p:cNvPr id="285" name="Google Shape;285;p31"/>
+          <p:cNvPr id="267" name="Google Shape;267;p31"/>
           <p:cNvSpPr txBox="1"/>
           <p:nvPr>
             <p:ph type="title"/>
@@ -14316,107 +14046,9 @@
           </a:p>
         </p:txBody>
       </p:sp>
-      <p:grpSp>
-        <p:nvGrpSpPr>
-          <p:cNvPr id="286" name="Google Shape;286;p31"/>
-          <p:cNvGrpSpPr/>
-          <p:nvPr/>
-        </p:nvGrpSpPr>
-        <p:grpSpPr>
-          <a:xfrm>
-            <a:off x="6917336" y="4812275"/>
-            <a:ext cx="1613268" cy="288299"/>
-            <a:chOff x="805865" y="375582"/>
-            <a:chExt cx="4067745" cy="755700"/>
-          </a:xfrm>
-        </p:grpSpPr>
-        <p:pic>
-          <p:nvPicPr>
-            <p:cNvPr id="287" name="Google Shape;287;p31"/>
-            <p:cNvPicPr preferRelativeResize="0"/>
-            <p:nvPr/>
-          </p:nvPicPr>
-          <p:blipFill>
-            <a:blip r:embed="rId3">
-              <a:alphaModFix/>
-            </a:blip>
-            <a:stretch>
-              <a:fillRect/>
-            </a:stretch>
-          </p:blipFill>
-          <p:spPr>
-            <a:xfrm>
-              <a:off x="4029638" y="375582"/>
-              <a:ext cx="843973" cy="755700"/>
-            </a:xfrm>
-            <a:prstGeom prst="rect">
-              <a:avLst/>
-            </a:prstGeom>
-            <a:noFill/>
-            <a:ln>
-              <a:noFill/>
-            </a:ln>
-          </p:spPr>
-        </p:pic>
-        <p:pic>
-          <p:nvPicPr>
-            <p:cNvPr id="288" name="Google Shape;288;p31"/>
-            <p:cNvPicPr preferRelativeResize="0"/>
-            <p:nvPr/>
-          </p:nvPicPr>
-          <p:blipFill rotWithShape="1">
-            <a:blip r:embed="rId4">
-              <a:alphaModFix/>
-            </a:blip>
-            <a:srcRect b="18507" l="13651" r="0" t="49643"/>
-            <a:stretch/>
-          </p:blipFill>
-          <p:spPr>
-            <a:xfrm>
-              <a:off x="2569425" y="544250"/>
-              <a:ext cx="1295350" cy="455700"/>
-            </a:xfrm>
-            <a:prstGeom prst="rect">
-              <a:avLst/>
-            </a:prstGeom>
-            <a:noFill/>
-            <a:ln>
-              <a:noFill/>
-            </a:ln>
-          </p:spPr>
-        </p:pic>
-        <p:pic>
-          <p:nvPicPr>
-            <p:cNvPr id="289" name="Google Shape;289;p31"/>
-            <p:cNvPicPr preferRelativeResize="0"/>
-            <p:nvPr/>
-          </p:nvPicPr>
-          <p:blipFill>
-            <a:blip r:embed="rId5">
-              <a:alphaModFix/>
-            </a:blip>
-            <a:stretch>
-              <a:fillRect/>
-            </a:stretch>
-          </p:blipFill>
-          <p:spPr>
-            <a:xfrm>
-              <a:off x="805865" y="576415"/>
-              <a:ext cx="1522500" cy="372700"/>
-            </a:xfrm>
-            <a:prstGeom prst="rect">
-              <a:avLst/>
-            </a:prstGeom>
-            <a:noFill/>
-            <a:ln>
-              <a:noFill/>
-            </a:ln>
-          </p:spPr>
-        </p:pic>
-      </p:grpSp>
       <p:sp>
         <p:nvSpPr>
-          <p:cNvPr id="290" name="Google Shape;290;p31"/>
+          <p:cNvPr id="268" name="Google Shape;268;p31"/>
           <p:cNvSpPr txBox="1"/>
           <p:nvPr/>
         </p:nvSpPr>
@@ -14481,7 +14113,7 @@
       </p:sp>
       <p:sp>
         <p:nvSpPr>
-          <p:cNvPr id="291" name="Google Shape;291;p31"/>
+          <p:cNvPr id="269" name="Google Shape;269;p31"/>
           <p:cNvSpPr txBox="1"/>
           <p:nvPr/>
         </p:nvSpPr>
@@ -14595,7 +14227,7 @@
       </p:sp>
       <p:sp>
         <p:nvSpPr>
-          <p:cNvPr id="292" name="Google Shape;292;p31"/>
+          <p:cNvPr id="270" name="Google Shape;270;p31"/>
           <p:cNvSpPr txBox="1"/>
           <p:nvPr/>
         </p:nvSpPr>
@@ -14881,6 +14513,77 @@
           </a:p>
         </p:txBody>
       </p:sp>
+      <p:grpSp>
+        <p:nvGrpSpPr>
+          <p:cNvPr id="271" name="Google Shape;271;p31"/>
+          <p:cNvGrpSpPr/>
+          <p:nvPr/>
+        </p:nvGrpSpPr>
+        <p:grpSpPr>
+          <a:xfrm>
+            <a:off x="7462201" y="4812275"/>
+            <a:ext cx="1068401" cy="288301"/>
+            <a:chOff x="7462201" y="4812275"/>
+            <a:chExt cx="1068401" cy="288301"/>
+          </a:xfrm>
+        </p:grpSpPr>
+        <p:pic>
+          <p:nvPicPr>
+            <p:cNvPr id="272" name="Google Shape;272;p31"/>
+            <p:cNvPicPr preferRelativeResize="0"/>
+            <p:nvPr/>
+          </p:nvPicPr>
+          <p:blipFill>
+            <a:blip r:embed="rId3">
+              <a:alphaModFix/>
+            </a:blip>
+            <a:stretch>
+              <a:fillRect/>
+            </a:stretch>
+          </p:blipFill>
+          <p:spPr>
+            <a:xfrm>
+              <a:off x="8195884" y="4812275"/>
+              <a:ext cx="334718" cy="288301"/>
+            </a:xfrm>
+            <a:prstGeom prst="rect">
+              <a:avLst/>
+            </a:prstGeom>
+            <a:noFill/>
+            <a:ln>
+              <a:noFill/>
+            </a:ln>
+          </p:spPr>
+        </p:pic>
+        <p:pic>
+          <p:nvPicPr>
+            <p:cNvPr id="273" name="Google Shape;273;p31"/>
+            <p:cNvPicPr preferRelativeResize="0"/>
+            <p:nvPr/>
+          </p:nvPicPr>
+          <p:blipFill>
+            <a:blip r:embed="rId4">
+              <a:alphaModFix/>
+            </a:blip>
+            <a:stretch>
+              <a:fillRect/>
+            </a:stretch>
+          </p:blipFill>
+          <p:spPr>
+            <a:xfrm>
+              <a:off x="7462201" y="4846024"/>
+              <a:ext cx="645825" cy="225525"/>
+            </a:xfrm>
+            <a:prstGeom prst="rect">
+              <a:avLst/>
+            </a:prstGeom>
+            <a:noFill/>
+            <a:ln>
+              <a:noFill/>
+            </a:ln>
+          </p:spPr>
+        </p:pic>
+      </p:grpSp>
     </p:spTree>
   </p:cSld>
   <p:clrMapOvr>
@@ -14894,7 +14597,7 @@
   <p:cSld>
     <p:spTree>
       <p:nvGrpSpPr>
-        <p:cNvPr id="64" name="Shape 64"/>
+        <p:cNvPr id="63" name="Shape 63"/>
         <p:cNvGrpSpPr/>
         <p:nvPr/>
       </p:nvGrpSpPr>
@@ -14908,7 +14611,7 @@
       </p:grpSpPr>
       <p:sp>
         <p:nvSpPr>
-          <p:cNvPr id="65" name="Google Shape;65;p14"/>
+          <p:cNvPr id="64" name="Google Shape;64;p14"/>
           <p:cNvSpPr/>
           <p:nvPr/>
         </p:nvSpPr>
@@ -14951,7 +14654,7 @@
       </p:sp>
       <p:sp>
         <p:nvSpPr>
-          <p:cNvPr id="66" name="Google Shape;66;p14"/>
+          <p:cNvPr id="65" name="Google Shape;65;p14"/>
           <p:cNvSpPr txBox="1"/>
           <p:nvPr>
             <p:ph type="title"/>
@@ -15077,107 +14780,9 @@
           </a:p>
         </p:txBody>
       </p:sp>
-      <p:grpSp>
-        <p:nvGrpSpPr>
-          <p:cNvPr id="67" name="Google Shape;67;p14"/>
-          <p:cNvGrpSpPr/>
-          <p:nvPr/>
-        </p:nvGrpSpPr>
-        <p:grpSpPr>
-          <a:xfrm>
-            <a:off x="6917336" y="4812275"/>
-            <a:ext cx="1613268" cy="288299"/>
-            <a:chOff x="805865" y="375582"/>
-            <a:chExt cx="4067745" cy="755700"/>
-          </a:xfrm>
-        </p:grpSpPr>
-        <p:pic>
-          <p:nvPicPr>
-            <p:cNvPr id="68" name="Google Shape;68;p14"/>
-            <p:cNvPicPr preferRelativeResize="0"/>
-            <p:nvPr/>
-          </p:nvPicPr>
-          <p:blipFill>
-            <a:blip r:embed="rId3">
-              <a:alphaModFix/>
-            </a:blip>
-            <a:stretch>
-              <a:fillRect/>
-            </a:stretch>
-          </p:blipFill>
-          <p:spPr>
-            <a:xfrm>
-              <a:off x="4029638" y="375582"/>
-              <a:ext cx="843973" cy="755700"/>
-            </a:xfrm>
-            <a:prstGeom prst="rect">
-              <a:avLst/>
-            </a:prstGeom>
-            <a:noFill/>
-            <a:ln>
-              <a:noFill/>
-            </a:ln>
-          </p:spPr>
-        </p:pic>
-        <p:pic>
-          <p:nvPicPr>
-            <p:cNvPr id="69" name="Google Shape;69;p14"/>
-            <p:cNvPicPr preferRelativeResize="0"/>
-            <p:nvPr/>
-          </p:nvPicPr>
-          <p:blipFill rotWithShape="1">
-            <a:blip r:embed="rId4">
-              <a:alphaModFix/>
-            </a:blip>
-            <a:srcRect b="18507" l="13651" r="0" t="49643"/>
-            <a:stretch/>
-          </p:blipFill>
-          <p:spPr>
-            <a:xfrm>
-              <a:off x="2569425" y="544250"/>
-              <a:ext cx="1295350" cy="455700"/>
-            </a:xfrm>
-            <a:prstGeom prst="rect">
-              <a:avLst/>
-            </a:prstGeom>
-            <a:noFill/>
-            <a:ln>
-              <a:noFill/>
-            </a:ln>
-          </p:spPr>
-        </p:pic>
-        <p:pic>
-          <p:nvPicPr>
-            <p:cNvPr id="70" name="Google Shape;70;p14"/>
-            <p:cNvPicPr preferRelativeResize="0"/>
-            <p:nvPr/>
-          </p:nvPicPr>
-          <p:blipFill>
-            <a:blip r:embed="rId5">
-              <a:alphaModFix/>
-            </a:blip>
-            <a:stretch>
-              <a:fillRect/>
-            </a:stretch>
-          </p:blipFill>
-          <p:spPr>
-            <a:xfrm>
-              <a:off x="805865" y="576415"/>
-              <a:ext cx="1522500" cy="372700"/>
-            </a:xfrm>
-            <a:prstGeom prst="rect">
-              <a:avLst/>
-            </a:prstGeom>
-            <a:noFill/>
-            <a:ln>
-              <a:noFill/>
-            </a:ln>
-          </p:spPr>
-        </p:pic>
-      </p:grpSp>
       <p:sp>
         <p:nvSpPr>
-          <p:cNvPr id="71" name="Google Shape;71;p14"/>
+          <p:cNvPr id="66" name="Google Shape;66;p14"/>
           <p:cNvSpPr txBox="1"/>
           <p:nvPr>
             <p:ph idx="1" type="body"/>
@@ -15417,6 +15022,77 @@
           </a:p>
         </p:txBody>
       </p:sp>
+      <p:grpSp>
+        <p:nvGrpSpPr>
+          <p:cNvPr id="67" name="Google Shape;67;p14"/>
+          <p:cNvGrpSpPr/>
+          <p:nvPr/>
+        </p:nvGrpSpPr>
+        <p:grpSpPr>
+          <a:xfrm>
+            <a:off x="7462201" y="4812275"/>
+            <a:ext cx="1068401" cy="288301"/>
+            <a:chOff x="7462201" y="4812275"/>
+            <a:chExt cx="1068401" cy="288301"/>
+          </a:xfrm>
+        </p:grpSpPr>
+        <p:pic>
+          <p:nvPicPr>
+            <p:cNvPr id="68" name="Google Shape;68;p14"/>
+            <p:cNvPicPr preferRelativeResize="0"/>
+            <p:nvPr/>
+          </p:nvPicPr>
+          <p:blipFill>
+            <a:blip r:embed="rId3">
+              <a:alphaModFix/>
+            </a:blip>
+            <a:stretch>
+              <a:fillRect/>
+            </a:stretch>
+          </p:blipFill>
+          <p:spPr>
+            <a:xfrm>
+              <a:off x="8195884" y="4812275"/>
+              <a:ext cx="334718" cy="288301"/>
+            </a:xfrm>
+            <a:prstGeom prst="rect">
+              <a:avLst/>
+            </a:prstGeom>
+            <a:noFill/>
+            <a:ln>
+              <a:noFill/>
+            </a:ln>
+          </p:spPr>
+        </p:pic>
+        <p:pic>
+          <p:nvPicPr>
+            <p:cNvPr id="69" name="Google Shape;69;p14"/>
+            <p:cNvPicPr preferRelativeResize="0"/>
+            <p:nvPr/>
+          </p:nvPicPr>
+          <p:blipFill>
+            <a:blip r:embed="rId4">
+              <a:alphaModFix/>
+            </a:blip>
+            <a:stretch>
+              <a:fillRect/>
+            </a:stretch>
+          </p:blipFill>
+          <p:spPr>
+            <a:xfrm>
+              <a:off x="7462201" y="4846024"/>
+              <a:ext cx="645825" cy="225525"/>
+            </a:xfrm>
+            <a:prstGeom prst="rect">
+              <a:avLst/>
+            </a:prstGeom>
+            <a:noFill/>
+            <a:ln>
+              <a:noFill/>
+            </a:ln>
+          </p:spPr>
+        </p:pic>
+      </p:grpSp>
     </p:spTree>
   </p:cSld>
   <p:clrMapOvr>
@@ -15430,7 +15106,7 @@
   <p:cSld>
     <p:spTree>
       <p:nvGrpSpPr>
-        <p:cNvPr id="296" name="Shape 296"/>
+        <p:cNvPr id="277" name="Shape 277"/>
         <p:cNvGrpSpPr/>
         <p:nvPr/>
       </p:nvGrpSpPr>
@@ -15444,7 +15120,7 @@
       </p:grpSpPr>
       <p:sp>
         <p:nvSpPr>
-          <p:cNvPr id="297" name="Google Shape;297;p32"/>
+          <p:cNvPr id="278" name="Google Shape;278;p32"/>
           <p:cNvSpPr/>
           <p:nvPr/>
         </p:nvSpPr>
@@ -15487,7 +15163,7 @@
       </p:sp>
       <p:sp>
         <p:nvSpPr>
-          <p:cNvPr id="298" name="Google Shape;298;p32"/>
+          <p:cNvPr id="279" name="Google Shape;279;p32"/>
           <p:cNvSpPr txBox="1"/>
           <p:nvPr>
             <p:ph type="title"/>
@@ -15613,107 +15289,9 @@
           </a:p>
         </p:txBody>
       </p:sp>
-      <p:grpSp>
-        <p:nvGrpSpPr>
-          <p:cNvPr id="299" name="Google Shape;299;p32"/>
-          <p:cNvGrpSpPr/>
-          <p:nvPr/>
-        </p:nvGrpSpPr>
-        <p:grpSpPr>
-          <a:xfrm>
-            <a:off x="6917336" y="4812275"/>
-            <a:ext cx="1613268" cy="288299"/>
-            <a:chOff x="805865" y="375582"/>
-            <a:chExt cx="4067745" cy="755700"/>
-          </a:xfrm>
-        </p:grpSpPr>
-        <p:pic>
-          <p:nvPicPr>
-            <p:cNvPr id="300" name="Google Shape;300;p32"/>
-            <p:cNvPicPr preferRelativeResize="0"/>
-            <p:nvPr/>
-          </p:nvPicPr>
-          <p:blipFill>
-            <a:blip r:embed="rId3">
-              <a:alphaModFix/>
-            </a:blip>
-            <a:stretch>
-              <a:fillRect/>
-            </a:stretch>
-          </p:blipFill>
-          <p:spPr>
-            <a:xfrm>
-              <a:off x="4029638" y="375582"/>
-              <a:ext cx="843973" cy="755700"/>
-            </a:xfrm>
-            <a:prstGeom prst="rect">
-              <a:avLst/>
-            </a:prstGeom>
-            <a:noFill/>
-            <a:ln>
-              <a:noFill/>
-            </a:ln>
-          </p:spPr>
-        </p:pic>
-        <p:pic>
-          <p:nvPicPr>
-            <p:cNvPr id="301" name="Google Shape;301;p32"/>
-            <p:cNvPicPr preferRelativeResize="0"/>
-            <p:nvPr/>
-          </p:nvPicPr>
-          <p:blipFill rotWithShape="1">
-            <a:blip r:embed="rId4">
-              <a:alphaModFix/>
-            </a:blip>
-            <a:srcRect b="18507" l="13651" r="0" t="49643"/>
-            <a:stretch/>
-          </p:blipFill>
-          <p:spPr>
-            <a:xfrm>
-              <a:off x="2569425" y="544250"/>
-              <a:ext cx="1295350" cy="455700"/>
-            </a:xfrm>
-            <a:prstGeom prst="rect">
-              <a:avLst/>
-            </a:prstGeom>
-            <a:noFill/>
-            <a:ln>
-              <a:noFill/>
-            </a:ln>
-          </p:spPr>
-        </p:pic>
-        <p:pic>
-          <p:nvPicPr>
-            <p:cNvPr id="302" name="Google Shape;302;p32"/>
-            <p:cNvPicPr preferRelativeResize="0"/>
-            <p:nvPr/>
-          </p:nvPicPr>
-          <p:blipFill>
-            <a:blip r:embed="rId5">
-              <a:alphaModFix/>
-            </a:blip>
-            <a:stretch>
-              <a:fillRect/>
-            </a:stretch>
-          </p:blipFill>
-          <p:spPr>
-            <a:xfrm>
-              <a:off x="805865" y="576415"/>
-              <a:ext cx="1522500" cy="372700"/>
-            </a:xfrm>
-            <a:prstGeom prst="rect">
-              <a:avLst/>
-            </a:prstGeom>
-            <a:noFill/>
-            <a:ln>
-              <a:noFill/>
-            </a:ln>
-          </p:spPr>
-        </p:pic>
-      </p:grpSp>
       <p:sp>
         <p:nvSpPr>
-          <p:cNvPr id="303" name="Google Shape;303;p32"/>
+          <p:cNvPr id="280" name="Google Shape;280;p32"/>
           <p:cNvSpPr txBox="1"/>
           <p:nvPr>
             <p:ph idx="1" type="body"/>
@@ -15882,6 +15460,77 @@
           </a:p>
         </p:txBody>
       </p:sp>
+      <p:grpSp>
+        <p:nvGrpSpPr>
+          <p:cNvPr id="281" name="Google Shape;281;p32"/>
+          <p:cNvGrpSpPr/>
+          <p:nvPr/>
+        </p:nvGrpSpPr>
+        <p:grpSpPr>
+          <a:xfrm>
+            <a:off x="7462201" y="4812275"/>
+            <a:ext cx="1068401" cy="288301"/>
+            <a:chOff x="7462201" y="4812275"/>
+            <a:chExt cx="1068401" cy="288301"/>
+          </a:xfrm>
+        </p:grpSpPr>
+        <p:pic>
+          <p:nvPicPr>
+            <p:cNvPr id="282" name="Google Shape;282;p32"/>
+            <p:cNvPicPr preferRelativeResize="0"/>
+            <p:nvPr/>
+          </p:nvPicPr>
+          <p:blipFill>
+            <a:blip r:embed="rId3">
+              <a:alphaModFix/>
+            </a:blip>
+            <a:stretch>
+              <a:fillRect/>
+            </a:stretch>
+          </p:blipFill>
+          <p:spPr>
+            <a:xfrm>
+              <a:off x="8195884" y="4812275"/>
+              <a:ext cx="334718" cy="288301"/>
+            </a:xfrm>
+            <a:prstGeom prst="rect">
+              <a:avLst/>
+            </a:prstGeom>
+            <a:noFill/>
+            <a:ln>
+              <a:noFill/>
+            </a:ln>
+          </p:spPr>
+        </p:pic>
+        <p:pic>
+          <p:nvPicPr>
+            <p:cNvPr id="283" name="Google Shape;283;p32"/>
+            <p:cNvPicPr preferRelativeResize="0"/>
+            <p:nvPr/>
+          </p:nvPicPr>
+          <p:blipFill>
+            <a:blip r:embed="rId4">
+              <a:alphaModFix/>
+            </a:blip>
+            <a:stretch>
+              <a:fillRect/>
+            </a:stretch>
+          </p:blipFill>
+          <p:spPr>
+            <a:xfrm>
+              <a:off x="7462201" y="4846024"/>
+              <a:ext cx="645825" cy="225525"/>
+            </a:xfrm>
+            <a:prstGeom prst="rect">
+              <a:avLst/>
+            </a:prstGeom>
+            <a:noFill/>
+            <a:ln>
+              <a:noFill/>
+            </a:ln>
+          </p:spPr>
+        </p:pic>
+      </p:grpSp>
     </p:spTree>
   </p:cSld>
   <p:clrMapOvr>
@@ -15895,7 +15544,7 @@
   <p:cSld>
     <p:spTree>
       <p:nvGrpSpPr>
-        <p:cNvPr id="307" name="Shape 307"/>
+        <p:cNvPr id="287" name="Shape 287"/>
         <p:cNvGrpSpPr/>
         <p:nvPr/>
       </p:nvGrpSpPr>
@@ -15909,7 +15558,7 @@
       </p:grpSpPr>
       <p:sp>
         <p:nvSpPr>
-          <p:cNvPr id="308" name="Google Shape;308;p33"/>
+          <p:cNvPr id="288" name="Google Shape;288;p33"/>
           <p:cNvSpPr/>
           <p:nvPr/>
         </p:nvSpPr>
@@ -15956,7 +15605,7 @@
       </p:sp>
       <p:sp>
         <p:nvSpPr>
-          <p:cNvPr id="309" name="Google Shape;309;p33"/>
+          <p:cNvPr id="289" name="Google Shape;289;p33"/>
           <p:cNvSpPr/>
           <p:nvPr/>
         </p:nvSpPr>
@@ -15999,21 +15648,21 @@
       </p:sp>
       <p:grpSp>
         <p:nvGrpSpPr>
-          <p:cNvPr id="310" name="Google Shape;310;p33"/>
+          <p:cNvPr id="290" name="Google Shape;290;p33"/>
           <p:cNvGrpSpPr/>
           <p:nvPr/>
         </p:nvGrpSpPr>
         <p:grpSpPr>
           <a:xfrm>
-            <a:off x="6917336" y="4812275"/>
-            <a:ext cx="1613268" cy="288299"/>
-            <a:chOff x="805865" y="375582"/>
-            <a:chExt cx="4067745" cy="755700"/>
+            <a:off x="7462201" y="4812275"/>
+            <a:ext cx="1068401" cy="288301"/>
+            <a:chOff x="7462201" y="4812275"/>
+            <a:chExt cx="1068401" cy="288301"/>
           </a:xfrm>
         </p:grpSpPr>
         <p:pic>
           <p:nvPicPr>
-            <p:cNvPr id="311" name="Google Shape;311;p33"/>
+            <p:cNvPr id="291" name="Google Shape;291;p33"/>
             <p:cNvPicPr preferRelativeResize="0"/>
             <p:nvPr/>
           </p:nvPicPr>
@@ -16027,8 +15676,8 @@
           </p:blipFill>
           <p:spPr>
             <a:xfrm>
-              <a:off x="4029638" y="375582"/>
-              <a:ext cx="843973" cy="755700"/>
+              <a:off x="8195884" y="4812275"/>
+              <a:ext cx="334718" cy="288301"/>
             </a:xfrm>
             <a:prstGeom prst="rect">
               <a:avLst/>
@@ -16041,39 +15690,12 @@
         </p:pic>
         <p:pic>
           <p:nvPicPr>
-            <p:cNvPr id="312" name="Google Shape;312;p33"/>
-            <p:cNvPicPr preferRelativeResize="0"/>
-            <p:nvPr/>
-          </p:nvPicPr>
-          <p:blipFill rotWithShape="1">
-            <a:blip r:embed="rId4">
-              <a:alphaModFix/>
-            </a:blip>
-            <a:srcRect b="18507" l="13651" r="0" t="49643"/>
-            <a:stretch/>
-          </p:blipFill>
-          <p:spPr>
-            <a:xfrm>
-              <a:off x="2569425" y="544250"/>
-              <a:ext cx="1295350" cy="455700"/>
-            </a:xfrm>
-            <a:prstGeom prst="rect">
-              <a:avLst/>
-            </a:prstGeom>
-            <a:noFill/>
-            <a:ln>
-              <a:noFill/>
-            </a:ln>
-          </p:spPr>
-        </p:pic>
-        <p:pic>
-          <p:nvPicPr>
-            <p:cNvPr id="313" name="Google Shape;313;p33"/>
+            <p:cNvPr id="292" name="Google Shape;292;p33"/>
             <p:cNvPicPr preferRelativeResize="0"/>
             <p:nvPr/>
           </p:nvPicPr>
           <p:blipFill>
-            <a:blip r:embed="rId5">
+            <a:blip r:embed="rId4">
               <a:alphaModFix/>
             </a:blip>
             <a:stretch>
@@ -16082,8 +15704,8 @@
           </p:blipFill>
           <p:spPr>
             <a:xfrm>
-              <a:off x="805865" y="576415"/>
-              <a:ext cx="1522500" cy="372700"/>
+              <a:off x="7462201" y="4846024"/>
+              <a:ext cx="645825" cy="225525"/>
             </a:xfrm>
             <a:prstGeom prst="rect">
               <a:avLst/>
@@ -16108,7 +15730,7 @@
   <p:cSld>
     <p:spTree>
       <p:nvGrpSpPr>
-        <p:cNvPr id="75" name="Shape 75"/>
+        <p:cNvPr id="73" name="Shape 73"/>
         <p:cNvGrpSpPr/>
         <p:nvPr/>
       </p:nvGrpSpPr>
@@ -16122,7 +15744,7 @@
       </p:grpSpPr>
       <p:sp>
         <p:nvSpPr>
-          <p:cNvPr id="76" name="Google Shape;76;p15"/>
+          <p:cNvPr id="74" name="Google Shape;74;p15"/>
           <p:cNvSpPr/>
           <p:nvPr/>
         </p:nvSpPr>
@@ -16165,7 +15787,7 @@
       </p:sp>
       <p:sp>
         <p:nvSpPr>
-          <p:cNvPr id="77" name="Google Shape;77;p15"/>
+          <p:cNvPr id="75" name="Google Shape;75;p15"/>
           <p:cNvSpPr txBox="1"/>
           <p:nvPr>
             <p:ph type="title"/>
@@ -16291,107 +15913,9 @@
           </a:p>
         </p:txBody>
       </p:sp>
-      <p:grpSp>
-        <p:nvGrpSpPr>
-          <p:cNvPr id="78" name="Google Shape;78;p15"/>
-          <p:cNvGrpSpPr/>
-          <p:nvPr/>
-        </p:nvGrpSpPr>
-        <p:grpSpPr>
-          <a:xfrm>
-            <a:off x="6917336" y="4812275"/>
-            <a:ext cx="1613268" cy="288299"/>
-            <a:chOff x="805865" y="375582"/>
-            <a:chExt cx="4067745" cy="755700"/>
-          </a:xfrm>
-        </p:grpSpPr>
-        <p:pic>
-          <p:nvPicPr>
-            <p:cNvPr id="79" name="Google Shape;79;p15"/>
-            <p:cNvPicPr preferRelativeResize="0"/>
-            <p:nvPr/>
-          </p:nvPicPr>
-          <p:blipFill>
-            <a:blip r:embed="rId3">
-              <a:alphaModFix/>
-            </a:blip>
-            <a:stretch>
-              <a:fillRect/>
-            </a:stretch>
-          </p:blipFill>
-          <p:spPr>
-            <a:xfrm>
-              <a:off x="4029638" y="375582"/>
-              <a:ext cx="843973" cy="755700"/>
-            </a:xfrm>
-            <a:prstGeom prst="rect">
-              <a:avLst/>
-            </a:prstGeom>
-            <a:noFill/>
-            <a:ln>
-              <a:noFill/>
-            </a:ln>
-          </p:spPr>
-        </p:pic>
-        <p:pic>
-          <p:nvPicPr>
-            <p:cNvPr id="80" name="Google Shape;80;p15"/>
-            <p:cNvPicPr preferRelativeResize="0"/>
-            <p:nvPr/>
-          </p:nvPicPr>
-          <p:blipFill rotWithShape="1">
-            <a:blip r:embed="rId4">
-              <a:alphaModFix/>
-            </a:blip>
-            <a:srcRect b="18507" l="13651" r="0" t="49643"/>
-            <a:stretch/>
-          </p:blipFill>
-          <p:spPr>
-            <a:xfrm>
-              <a:off x="2569425" y="544250"/>
-              <a:ext cx="1295350" cy="455700"/>
-            </a:xfrm>
-            <a:prstGeom prst="rect">
-              <a:avLst/>
-            </a:prstGeom>
-            <a:noFill/>
-            <a:ln>
-              <a:noFill/>
-            </a:ln>
-          </p:spPr>
-        </p:pic>
-        <p:pic>
-          <p:nvPicPr>
-            <p:cNvPr id="81" name="Google Shape;81;p15"/>
-            <p:cNvPicPr preferRelativeResize="0"/>
-            <p:nvPr/>
-          </p:nvPicPr>
-          <p:blipFill>
-            <a:blip r:embed="rId5">
-              <a:alphaModFix/>
-            </a:blip>
-            <a:stretch>
-              <a:fillRect/>
-            </a:stretch>
-          </p:blipFill>
-          <p:spPr>
-            <a:xfrm>
-              <a:off x="805865" y="576415"/>
-              <a:ext cx="1522500" cy="372700"/>
-            </a:xfrm>
-            <a:prstGeom prst="rect">
-              <a:avLst/>
-            </a:prstGeom>
-            <a:noFill/>
-            <a:ln>
-              <a:noFill/>
-            </a:ln>
-          </p:spPr>
-        </p:pic>
-      </p:grpSp>
       <p:sp>
         <p:nvSpPr>
-          <p:cNvPr id="82" name="Google Shape;82;p15"/>
+          <p:cNvPr id="76" name="Google Shape;76;p15"/>
           <p:cNvSpPr txBox="1"/>
           <p:nvPr>
             <p:ph idx="1" type="body"/>
@@ -16602,6 +16126,77 @@
           </a:p>
         </p:txBody>
       </p:sp>
+      <p:grpSp>
+        <p:nvGrpSpPr>
+          <p:cNvPr id="77" name="Google Shape;77;p15"/>
+          <p:cNvGrpSpPr/>
+          <p:nvPr/>
+        </p:nvGrpSpPr>
+        <p:grpSpPr>
+          <a:xfrm>
+            <a:off x="7462201" y="4812275"/>
+            <a:ext cx="1068401" cy="288301"/>
+            <a:chOff x="7462201" y="4812275"/>
+            <a:chExt cx="1068401" cy="288301"/>
+          </a:xfrm>
+        </p:grpSpPr>
+        <p:pic>
+          <p:nvPicPr>
+            <p:cNvPr id="78" name="Google Shape;78;p15"/>
+            <p:cNvPicPr preferRelativeResize="0"/>
+            <p:nvPr/>
+          </p:nvPicPr>
+          <p:blipFill>
+            <a:blip r:embed="rId3">
+              <a:alphaModFix/>
+            </a:blip>
+            <a:stretch>
+              <a:fillRect/>
+            </a:stretch>
+          </p:blipFill>
+          <p:spPr>
+            <a:xfrm>
+              <a:off x="8195884" y="4812275"/>
+              <a:ext cx="334718" cy="288301"/>
+            </a:xfrm>
+            <a:prstGeom prst="rect">
+              <a:avLst/>
+            </a:prstGeom>
+            <a:noFill/>
+            <a:ln>
+              <a:noFill/>
+            </a:ln>
+          </p:spPr>
+        </p:pic>
+        <p:pic>
+          <p:nvPicPr>
+            <p:cNvPr id="79" name="Google Shape;79;p15"/>
+            <p:cNvPicPr preferRelativeResize="0"/>
+            <p:nvPr/>
+          </p:nvPicPr>
+          <p:blipFill>
+            <a:blip r:embed="rId4">
+              <a:alphaModFix/>
+            </a:blip>
+            <a:stretch>
+              <a:fillRect/>
+            </a:stretch>
+          </p:blipFill>
+          <p:spPr>
+            <a:xfrm>
+              <a:off x="7462201" y="4846024"/>
+              <a:ext cx="645825" cy="225525"/>
+            </a:xfrm>
+            <a:prstGeom prst="rect">
+              <a:avLst/>
+            </a:prstGeom>
+            <a:noFill/>
+            <a:ln>
+              <a:noFill/>
+            </a:ln>
+          </p:spPr>
+        </p:pic>
+      </p:grpSp>
     </p:spTree>
   </p:cSld>
   <p:clrMapOvr>
@@ -16615,7 +16210,7 @@
   <p:cSld>
     <p:spTree>
       <p:nvGrpSpPr>
-        <p:cNvPr id="86" name="Shape 86"/>
+        <p:cNvPr id="83" name="Shape 83"/>
         <p:cNvGrpSpPr/>
         <p:nvPr/>
       </p:nvGrpSpPr>
@@ -16629,7 +16224,7 @@
       </p:grpSpPr>
       <p:sp>
         <p:nvSpPr>
-          <p:cNvPr id="87" name="Google Shape;87;p16"/>
+          <p:cNvPr id="84" name="Google Shape;84;p16"/>
           <p:cNvSpPr txBox="1"/>
           <p:nvPr/>
         </p:nvSpPr>
@@ -16681,7 +16276,7 @@
       </p:sp>
       <p:sp>
         <p:nvSpPr>
-          <p:cNvPr id="88" name="Google Shape;88;p16"/>
+          <p:cNvPr id="85" name="Google Shape;85;p16"/>
           <p:cNvSpPr/>
           <p:nvPr/>
         </p:nvSpPr>
@@ -16724,7 +16319,7 @@
       </p:sp>
       <p:sp>
         <p:nvSpPr>
-          <p:cNvPr id="89" name="Google Shape;89;p16"/>
+          <p:cNvPr id="86" name="Google Shape;86;p16"/>
           <p:cNvSpPr txBox="1"/>
           <p:nvPr>
             <p:ph type="title"/>
@@ -16850,107 +16445,9 @@
           </a:p>
         </p:txBody>
       </p:sp>
-      <p:grpSp>
-        <p:nvGrpSpPr>
-          <p:cNvPr id="90" name="Google Shape;90;p16"/>
-          <p:cNvGrpSpPr/>
-          <p:nvPr/>
-        </p:nvGrpSpPr>
-        <p:grpSpPr>
-          <a:xfrm>
-            <a:off x="6917336" y="4812275"/>
-            <a:ext cx="1613268" cy="288299"/>
-            <a:chOff x="805865" y="375582"/>
-            <a:chExt cx="4067745" cy="755700"/>
-          </a:xfrm>
-        </p:grpSpPr>
-        <p:pic>
-          <p:nvPicPr>
-            <p:cNvPr id="91" name="Google Shape;91;p16"/>
-            <p:cNvPicPr preferRelativeResize="0"/>
-            <p:nvPr/>
-          </p:nvPicPr>
-          <p:blipFill>
-            <a:blip r:embed="rId3">
-              <a:alphaModFix/>
-            </a:blip>
-            <a:stretch>
-              <a:fillRect/>
-            </a:stretch>
-          </p:blipFill>
-          <p:spPr>
-            <a:xfrm>
-              <a:off x="4029638" y="375582"/>
-              <a:ext cx="843973" cy="755700"/>
-            </a:xfrm>
-            <a:prstGeom prst="rect">
-              <a:avLst/>
-            </a:prstGeom>
-            <a:noFill/>
-            <a:ln>
-              <a:noFill/>
-            </a:ln>
-          </p:spPr>
-        </p:pic>
-        <p:pic>
-          <p:nvPicPr>
-            <p:cNvPr id="92" name="Google Shape;92;p16"/>
-            <p:cNvPicPr preferRelativeResize="0"/>
-            <p:nvPr/>
-          </p:nvPicPr>
-          <p:blipFill rotWithShape="1">
-            <a:blip r:embed="rId4">
-              <a:alphaModFix/>
-            </a:blip>
-            <a:srcRect b="18507" l="13651" r="0" t="49643"/>
-            <a:stretch/>
-          </p:blipFill>
-          <p:spPr>
-            <a:xfrm>
-              <a:off x="2569425" y="544250"/>
-              <a:ext cx="1295350" cy="455700"/>
-            </a:xfrm>
-            <a:prstGeom prst="rect">
-              <a:avLst/>
-            </a:prstGeom>
-            <a:noFill/>
-            <a:ln>
-              <a:noFill/>
-            </a:ln>
-          </p:spPr>
-        </p:pic>
-        <p:pic>
-          <p:nvPicPr>
-            <p:cNvPr id="93" name="Google Shape;93;p16"/>
-            <p:cNvPicPr preferRelativeResize="0"/>
-            <p:nvPr/>
-          </p:nvPicPr>
-          <p:blipFill>
-            <a:blip r:embed="rId5">
-              <a:alphaModFix/>
-            </a:blip>
-            <a:stretch>
-              <a:fillRect/>
-            </a:stretch>
-          </p:blipFill>
-          <p:spPr>
-            <a:xfrm>
-              <a:off x="805865" y="576415"/>
-              <a:ext cx="1522500" cy="372700"/>
-            </a:xfrm>
-            <a:prstGeom prst="rect">
-              <a:avLst/>
-            </a:prstGeom>
-            <a:noFill/>
-            <a:ln>
-              <a:noFill/>
-            </a:ln>
-          </p:spPr>
-        </p:pic>
-      </p:grpSp>
       <p:sp>
         <p:nvSpPr>
-          <p:cNvPr id="94" name="Google Shape;94;p16"/>
+          <p:cNvPr id="87" name="Google Shape;87;p16"/>
           <p:cNvSpPr txBox="1"/>
           <p:nvPr>
             <p:ph idx="1" type="body"/>
@@ -17092,7 +16589,7 @@
       </p:sp>
       <p:sp>
         <p:nvSpPr>
-          <p:cNvPr id="95" name="Google Shape;95;p16"/>
+          <p:cNvPr id="88" name="Google Shape;88;p16"/>
           <p:cNvSpPr txBox="1"/>
           <p:nvPr/>
         </p:nvSpPr>
@@ -17157,7 +16654,7 @@
       </p:sp>
       <p:sp>
         <p:nvSpPr>
-          <p:cNvPr id="96" name="Google Shape;96;p16"/>
+          <p:cNvPr id="89" name="Google Shape;89;p16"/>
           <p:cNvSpPr txBox="1"/>
           <p:nvPr/>
         </p:nvSpPr>
@@ -17222,7 +16719,7 @@
       </p:sp>
       <p:sp>
         <p:nvSpPr>
-          <p:cNvPr id="97" name="Google Shape;97;p16"/>
+          <p:cNvPr id="90" name="Google Shape;90;p16"/>
           <p:cNvSpPr txBox="1"/>
           <p:nvPr/>
         </p:nvSpPr>
@@ -17287,7 +16784,7 @@
       </p:sp>
       <p:sp>
         <p:nvSpPr>
-          <p:cNvPr id="98" name="Google Shape;98;p16"/>
+          <p:cNvPr id="91" name="Google Shape;91;p16"/>
           <p:cNvSpPr txBox="1"/>
           <p:nvPr/>
         </p:nvSpPr>
@@ -17352,7 +16849,7 @@
       </p:sp>
       <p:sp>
         <p:nvSpPr>
-          <p:cNvPr id="99" name="Google Shape;99;p16"/>
+          <p:cNvPr id="92" name="Google Shape;92;p16"/>
           <p:cNvSpPr txBox="1"/>
           <p:nvPr/>
         </p:nvSpPr>
@@ -17417,7 +16914,7 @@
       </p:sp>
       <p:sp>
         <p:nvSpPr>
-          <p:cNvPr id="100" name="Google Shape;100;p16"/>
+          <p:cNvPr id="93" name="Google Shape;93;p16"/>
           <p:cNvSpPr txBox="1"/>
           <p:nvPr/>
         </p:nvSpPr>
@@ -17503,7 +17000,7 @@
       </p:sp>
       <p:sp>
         <p:nvSpPr>
-          <p:cNvPr id="101" name="Google Shape;101;p16"/>
+          <p:cNvPr id="94" name="Google Shape;94;p16"/>
           <p:cNvSpPr txBox="1"/>
           <p:nvPr/>
         </p:nvSpPr>
@@ -17589,7 +17086,7 @@
       </p:sp>
       <p:sp>
         <p:nvSpPr>
-          <p:cNvPr id="102" name="Google Shape;102;p16"/>
+          <p:cNvPr id="95" name="Google Shape;95;p16"/>
           <p:cNvSpPr txBox="1"/>
           <p:nvPr/>
         </p:nvSpPr>
@@ -17652,7 +17149,7 @@
       </p:sp>
       <p:sp>
         <p:nvSpPr>
-          <p:cNvPr id="103" name="Google Shape;103;p16"/>
+          <p:cNvPr id="96" name="Google Shape;96;p16"/>
           <p:cNvSpPr txBox="1"/>
           <p:nvPr/>
         </p:nvSpPr>
@@ -17738,7 +17235,7 @@
       </p:sp>
       <p:sp>
         <p:nvSpPr>
-          <p:cNvPr id="104" name="Google Shape;104;p16"/>
+          <p:cNvPr id="97" name="Google Shape;97;p16"/>
           <p:cNvSpPr txBox="1"/>
           <p:nvPr/>
         </p:nvSpPr>
@@ -17822,6 +17319,77 @@
           </a:p>
         </p:txBody>
       </p:sp>
+      <p:grpSp>
+        <p:nvGrpSpPr>
+          <p:cNvPr id="98" name="Google Shape;98;p16"/>
+          <p:cNvGrpSpPr/>
+          <p:nvPr/>
+        </p:nvGrpSpPr>
+        <p:grpSpPr>
+          <a:xfrm>
+            <a:off x="7462201" y="4812275"/>
+            <a:ext cx="1068401" cy="288301"/>
+            <a:chOff x="7462201" y="4812275"/>
+            <a:chExt cx="1068401" cy="288301"/>
+          </a:xfrm>
+        </p:grpSpPr>
+        <p:pic>
+          <p:nvPicPr>
+            <p:cNvPr id="99" name="Google Shape;99;p16"/>
+            <p:cNvPicPr preferRelativeResize="0"/>
+            <p:nvPr/>
+          </p:nvPicPr>
+          <p:blipFill>
+            <a:blip r:embed="rId3">
+              <a:alphaModFix/>
+            </a:blip>
+            <a:stretch>
+              <a:fillRect/>
+            </a:stretch>
+          </p:blipFill>
+          <p:spPr>
+            <a:xfrm>
+              <a:off x="8195884" y="4812275"/>
+              <a:ext cx="334718" cy="288301"/>
+            </a:xfrm>
+            <a:prstGeom prst="rect">
+              <a:avLst/>
+            </a:prstGeom>
+            <a:noFill/>
+            <a:ln>
+              <a:noFill/>
+            </a:ln>
+          </p:spPr>
+        </p:pic>
+        <p:pic>
+          <p:nvPicPr>
+            <p:cNvPr id="100" name="Google Shape;100;p16"/>
+            <p:cNvPicPr preferRelativeResize="0"/>
+            <p:nvPr/>
+          </p:nvPicPr>
+          <p:blipFill>
+            <a:blip r:embed="rId4">
+              <a:alphaModFix/>
+            </a:blip>
+            <a:stretch>
+              <a:fillRect/>
+            </a:stretch>
+          </p:blipFill>
+          <p:spPr>
+            <a:xfrm>
+              <a:off x="7462201" y="4846024"/>
+              <a:ext cx="645825" cy="225525"/>
+            </a:xfrm>
+            <a:prstGeom prst="rect">
+              <a:avLst/>
+            </a:prstGeom>
+            <a:noFill/>
+            <a:ln>
+              <a:noFill/>
+            </a:ln>
+          </p:spPr>
+        </p:pic>
+      </p:grpSp>
     </p:spTree>
   </p:cSld>
   <p:clrMapOvr>
@@ -17835,7 +17403,7 @@
   <p:cSld>
     <p:spTree>
       <p:nvGrpSpPr>
-        <p:cNvPr id="108" name="Shape 108"/>
+        <p:cNvPr id="104" name="Shape 104"/>
         <p:cNvGrpSpPr/>
         <p:nvPr/>
       </p:nvGrpSpPr>
@@ -17849,7 +17417,7 @@
       </p:grpSpPr>
       <p:sp>
         <p:nvSpPr>
-          <p:cNvPr id="109" name="Google Shape;109;p17"/>
+          <p:cNvPr id="105" name="Google Shape;105;p17"/>
           <p:cNvSpPr/>
           <p:nvPr/>
         </p:nvSpPr>
@@ -17892,7 +17460,7 @@
       </p:sp>
       <p:sp>
         <p:nvSpPr>
-          <p:cNvPr id="110" name="Google Shape;110;p17"/>
+          <p:cNvPr id="106" name="Google Shape;106;p17"/>
           <p:cNvSpPr txBox="1"/>
           <p:nvPr>
             <p:ph type="title"/>
@@ -18018,107 +17586,9 @@
           </a:p>
         </p:txBody>
       </p:sp>
-      <p:grpSp>
-        <p:nvGrpSpPr>
-          <p:cNvPr id="111" name="Google Shape;111;p17"/>
-          <p:cNvGrpSpPr/>
-          <p:nvPr/>
-        </p:nvGrpSpPr>
-        <p:grpSpPr>
-          <a:xfrm>
-            <a:off x="6917336" y="4812275"/>
-            <a:ext cx="1613268" cy="288299"/>
-            <a:chOff x="805865" y="375582"/>
-            <a:chExt cx="4067745" cy="755700"/>
-          </a:xfrm>
-        </p:grpSpPr>
-        <p:pic>
-          <p:nvPicPr>
-            <p:cNvPr id="112" name="Google Shape;112;p17"/>
-            <p:cNvPicPr preferRelativeResize="0"/>
-            <p:nvPr/>
-          </p:nvPicPr>
-          <p:blipFill>
-            <a:blip r:embed="rId3">
-              <a:alphaModFix/>
-            </a:blip>
-            <a:stretch>
-              <a:fillRect/>
-            </a:stretch>
-          </p:blipFill>
-          <p:spPr>
-            <a:xfrm>
-              <a:off x="4029638" y="375582"/>
-              <a:ext cx="843973" cy="755700"/>
-            </a:xfrm>
-            <a:prstGeom prst="rect">
-              <a:avLst/>
-            </a:prstGeom>
-            <a:noFill/>
-            <a:ln>
-              <a:noFill/>
-            </a:ln>
-          </p:spPr>
-        </p:pic>
-        <p:pic>
-          <p:nvPicPr>
-            <p:cNvPr id="113" name="Google Shape;113;p17"/>
-            <p:cNvPicPr preferRelativeResize="0"/>
-            <p:nvPr/>
-          </p:nvPicPr>
-          <p:blipFill rotWithShape="1">
-            <a:blip r:embed="rId4">
-              <a:alphaModFix/>
-            </a:blip>
-            <a:srcRect b="18507" l="13651" r="0" t="49643"/>
-            <a:stretch/>
-          </p:blipFill>
-          <p:spPr>
-            <a:xfrm>
-              <a:off x="2569425" y="544250"/>
-              <a:ext cx="1295350" cy="455700"/>
-            </a:xfrm>
-            <a:prstGeom prst="rect">
-              <a:avLst/>
-            </a:prstGeom>
-            <a:noFill/>
-            <a:ln>
-              <a:noFill/>
-            </a:ln>
-          </p:spPr>
-        </p:pic>
-        <p:pic>
-          <p:nvPicPr>
-            <p:cNvPr id="114" name="Google Shape;114;p17"/>
-            <p:cNvPicPr preferRelativeResize="0"/>
-            <p:nvPr/>
-          </p:nvPicPr>
-          <p:blipFill>
-            <a:blip r:embed="rId5">
-              <a:alphaModFix/>
-            </a:blip>
-            <a:stretch>
-              <a:fillRect/>
-            </a:stretch>
-          </p:blipFill>
-          <p:spPr>
-            <a:xfrm>
-              <a:off x="805865" y="576415"/>
-              <a:ext cx="1522500" cy="372700"/>
-            </a:xfrm>
-            <a:prstGeom prst="rect">
-              <a:avLst/>
-            </a:prstGeom>
-            <a:noFill/>
-            <a:ln>
-              <a:noFill/>
-            </a:ln>
-          </p:spPr>
-        </p:pic>
-      </p:grpSp>
       <p:sp>
         <p:nvSpPr>
-          <p:cNvPr id="115" name="Google Shape;115;p17"/>
+          <p:cNvPr id="107" name="Google Shape;107;p17"/>
           <p:cNvSpPr txBox="1"/>
           <p:nvPr/>
         </p:nvSpPr>
@@ -18183,7 +17653,7 @@
       </p:sp>
       <p:sp>
         <p:nvSpPr>
-          <p:cNvPr id="116" name="Google Shape;116;p17"/>
+          <p:cNvPr id="108" name="Google Shape;108;p17"/>
           <p:cNvSpPr txBox="1"/>
           <p:nvPr/>
         </p:nvSpPr>
@@ -18269,7 +17739,7 @@
       </p:sp>
       <p:sp>
         <p:nvSpPr>
-          <p:cNvPr id="117" name="Google Shape;117;p17"/>
+          <p:cNvPr id="109" name="Google Shape;109;p17"/>
           <p:cNvSpPr txBox="1"/>
           <p:nvPr/>
         </p:nvSpPr>
@@ -18556,6 +18026,77 @@
           </a:p>
         </p:txBody>
       </p:sp>
+      <p:grpSp>
+        <p:nvGrpSpPr>
+          <p:cNvPr id="110" name="Google Shape;110;p17"/>
+          <p:cNvGrpSpPr/>
+          <p:nvPr/>
+        </p:nvGrpSpPr>
+        <p:grpSpPr>
+          <a:xfrm>
+            <a:off x="7462201" y="4812275"/>
+            <a:ext cx="1068401" cy="288301"/>
+            <a:chOff x="7462201" y="4812275"/>
+            <a:chExt cx="1068401" cy="288301"/>
+          </a:xfrm>
+        </p:grpSpPr>
+        <p:pic>
+          <p:nvPicPr>
+            <p:cNvPr id="111" name="Google Shape;111;p17"/>
+            <p:cNvPicPr preferRelativeResize="0"/>
+            <p:nvPr/>
+          </p:nvPicPr>
+          <p:blipFill>
+            <a:blip r:embed="rId3">
+              <a:alphaModFix/>
+            </a:blip>
+            <a:stretch>
+              <a:fillRect/>
+            </a:stretch>
+          </p:blipFill>
+          <p:spPr>
+            <a:xfrm>
+              <a:off x="8195884" y="4812275"/>
+              <a:ext cx="334718" cy="288301"/>
+            </a:xfrm>
+            <a:prstGeom prst="rect">
+              <a:avLst/>
+            </a:prstGeom>
+            <a:noFill/>
+            <a:ln>
+              <a:noFill/>
+            </a:ln>
+          </p:spPr>
+        </p:pic>
+        <p:pic>
+          <p:nvPicPr>
+            <p:cNvPr id="112" name="Google Shape;112;p17"/>
+            <p:cNvPicPr preferRelativeResize="0"/>
+            <p:nvPr/>
+          </p:nvPicPr>
+          <p:blipFill>
+            <a:blip r:embed="rId4">
+              <a:alphaModFix/>
+            </a:blip>
+            <a:stretch>
+              <a:fillRect/>
+            </a:stretch>
+          </p:blipFill>
+          <p:spPr>
+            <a:xfrm>
+              <a:off x="7462201" y="4846024"/>
+              <a:ext cx="645825" cy="225525"/>
+            </a:xfrm>
+            <a:prstGeom prst="rect">
+              <a:avLst/>
+            </a:prstGeom>
+            <a:noFill/>
+            <a:ln>
+              <a:noFill/>
+            </a:ln>
+          </p:spPr>
+        </p:pic>
+      </p:grpSp>
     </p:spTree>
   </p:cSld>
   <p:clrMapOvr>
@@ -18569,7 +18110,7 @@
   <p:cSld>
     <p:spTree>
       <p:nvGrpSpPr>
-        <p:cNvPr id="121" name="Shape 121"/>
+        <p:cNvPr id="116" name="Shape 116"/>
         <p:cNvGrpSpPr/>
         <p:nvPr/>
       </p:nvGrpSpPr>
@@ -18583,7 +18124,7 @@
       </p:grpSpPr>
       <p:sp>
         <p:nvSpPr>
-          <p:cNvPr id="122" name="Google Shape;122;p18"/>
+          <p:cNvPr id="117" name="Google Shape;117;p18"/>
           <p:cNvSpPr/>
           <p:nvPr/>
         </p:nvSpPr>
@@ -18626,7 +18167,7 @@
       </p:sp>
       <p:sp>
         <p:nvSpPr>
-          <p:cNvPr id="123" name="Google Shape;123;p18"/>
+          <p:cNvPr id="118" name="Google Shape;118;p18"/>
           <p:cNvSpPr txBox="1"/>
           <p:nvPr>
             <p:ph type="title"/>
@@ -18752,107 +18293,9 @@
           </a:p>
         </p:txBody>
       </p:sp>
-      <p:grpSp>
-        <p:nvGrpSpPr>
-          <p:cNvPr id="124" name="Google Shape;124;p18"/>
-          <p:cNvGrpSpPr/>
-          <p:nvPr/>
-        </p:nvGrpSpPr>
-        <p:grpSpPr>
-          <a:xfrm>
-            <a:off x="6917336" y="4812275"/>
-            <a:ext cx="1613268" cy="288299"/>
-            <a:chOff x="805865" y="375582"/>
-            <a:chExt cx="4067745" cy="755700"/>
-          </a:xfrm>
-        </p:grpSpPr>
-        <p:pic>
-          <p:nvPicPr>
-            <p:cNvPr id="125" name="Google Shape;125;p18"/>
-            <p:cNvPicPr preferRelativeResize="0"/>
-            <p:nvPr/>
-          </p:nvPicPr>
-          <p:blipFill>
-            <a:blip r:embed="rId3">
-              <a:alphaModFix/>
-            </a:blip>
-            <a:stretch>
-              <a:fillRect/>
-            </a:stretch>
-          </p:blipFill>
-          <p:spPr>
-            <a:xfrm>
-              <a:off x="4029638" y="375582"/>
-              <a:ext cx="843973" cy="755700"/>
-            </a:xfrm>
-            <a:prstGeom prst="rect">
-              <a:avLst/>
-            </a:prstGeom>
-            <a:noFill/>
-            <a:ln>
-              <a:noFill/>
-            </a:ln>
-          </p:spPr>
-        </p:pic>
-        <p:pic>
-          <p:nvPicPr>
-            <p:cNvPr id="126" name="Google Shape;126;p18"/>
-            <p:cNvPicPr preferRelativeResize="0"/>
-            <p:nvPr/>
-          </p:nvPicPr>
-          <p:blipFill rotWithShape="1">
-            <a:blip r:embed="rId4">
-              <a:alphaModFix/>
-            </a:blip>
-            <a:srcRect b="18507" l="13651" r="0" t="49643"/>
-            <a:stretch/>
-          </p:blipFill>
-          <p:spPr>
-            <a:xfrm>
-              <a:off x="2569425" y="544250"/>
-              <a:ext cx="1295350" cy="455700"/>
-            </a:xfrm>
-            <a:prstGeom prst="rect">
-              <a:avLst/>
-            </a:prstGeom>
-            <a:noFill/>
-            <a:ln>
-              <a:noFill/>
-            </a:ln>
-          </p:spPr>
-        </p:pic>
-        <p:pic>
-          <p:nvPicPr>
-            <p:cNvPr id="127" name="Google Shape;127;p18"/>
-            <p:cNvPicPr preferRelativeResize="0"/>
-            <p:nvPr/>
-          </p:nvPicPr>
-          <p:blipFill>
-            <a:blip r:embed="rId5">
-              <a:alphaModFix/>
-            </a:blip>
-            <a:stretch>
-              <a:fillRect/>
-            </a:stretch>
-          </p:blipFill>
-          <p:spPr>
-            <a:xfrm>
-              <a:off x="805865" y="576415"/>
-              <a:ext cx="1522500" cy="372700"/>
-            </a:xfrm>
-            <a:prstGeom prst="rect">
-              <a:avLst/>
-            </a:prstGeom>
-            <a:noFill/>
-            <a:ln>
-              <a:noFill/>
-            </a:ln>
-          </p:spPr>
-        </p:pic>
-      </p:grpSp>
       <p:sp>
         <p:nvSpPr>
-          <p:cNvPr id="128" name="Google Shape;128;p18"/>
+          <p:cNvPr id="119" name="Google Shape;119;p18"/>
           <p:cNvSpPr txBox="1"/>
           <p:nvPr/>
         </p:nvSpPr>
@@ -18917,7 +18360,7 @@
       </p:sp>
       <p:sp>
         <p:nvSpPr>
-          <p:cNvPr id="129" name="Google Shape;129;p18"/>
+          <p:cNvPr id="120" name="Google Shape;120;p18"/>
           <p:cNvSpPr txBox="1"/>
           <p:nvPr/>
         </p:nvSpPr>
@@ -19003,7 +18446,7 @@
       </p:sp>
       <p:sp>
         <p:nvSpPr>
-          <p:cNvPr id="130" name="Google Shape;130;p18"/>
+          <p:cNvPr id="121" name="Google Shape;121;p18"/>
           <p:cNvSpPr txBox="1"/>
           <p:nvPr/>
         </p:nvSpPr>
@@ -19184,6 +18627,77 @@
           </a:p>
         </p:txBody>
       </p:sp>
+      <p:grpSp>
+        <p:nvGrpSpPr>
+          <p:cNvPr id="122" name="Google Shape;122;p18"/>
+          <p:cNvGrpSpPr/>
+          <p:nvPr/>
+        </p:nvGrpSpPr>
+        <p:grpSpPr>
+          <a:xfrm>
+            <a:off x="7462201" y="4812275"/>
+            <a:ext cx="1068401" cy="288301"/>
+            <a:chOff x="7462201" y="4812275"/>
+            <a:chExt cx="1068401" cy="288301"/>
+          </a:xfrm>
+        </p:grpSpPr>
+        <p:pic>
+          <p:nvPicPr>
+            <p:cNvPr id="123" name="Google Shape;123;p18"/>
+            <p:cNvPicPr preferRelativeResize="0"/>
+            <p:nvPr/>
+          </p:nvPicPr>
+          <p:blipFill>
+            <a:blip r:embed="rId3">
+              <a:alphaModFix/>
+            </a:blip>
+            <a:stretch>
+              <a:fillRect/>
+            </a:stretch>
+          </p:blipFill>
+          <p:spPr>
+            <a:xfrm>
+              <a:off x="8195884" y="4812275"/>
+              <a:ext cx="334718" cy="288301"/>
+            </a:xfrm>
+            <a:prstGeom prst="rect">
+              <a:avLst/>
+            </a:prstGeom>
+            <a:noFill/>
+            <a:ln>
+              <a:noFill/>
+            </a:ln>
+          </p:spPr>
+        </p:pic>
+        <p:pic>
+          <p:nvPicPr>
+            <p:cNvPr id="124" name="Google Shape;124;p18"/>
+            <p:cNvPicPr preferRelativeResize="0"/>
+            <p:nvPr/>
+          </p:nvPicPr>
+          <p:blipFill>
+            <a:blip r:embed="rId4">
+              <a:alphaModFix/>
+            </a:blip>
+            <a:stretch>
+              <a:fillRect/>
+            </a:stretch>
+          </p:blipFill>
+          <p:spPr>
+            <a:xfrm>
+              <a:off x="7462201" y="4846024"/>
+              <a:ext cx="645825" cy="225525"/>
+            </a:xfrm>
+            <a:prstGeom prst="rect">
+              <a:avLst/>
+            </a:prstGeom>
+            <a:noFill/>
+            <a:ln>
+              <a:noFill/>
+            </a:ln>
+          </p:spPr>
+        </p:pic>
+      </p:grpSp>
     </p:spTree>
   </p:cSld>
   <p:clrMapOvr>
@@ -19197,7 +18711,7 @@
   <p:cSld>
     <p:spTree>
       <p:nvGrpSpPr>
-        <p:cNvPr id="134" name="Shape 134"/>
+        <p:cNvPr id="128" name="Shape 128"/>
         <p:cNvGrpSpPr/>
         <p:nvPr/>
       </p:nvGrpSpPr>
@@ -19211,7 +18725,7 @@
       </p:grpSpPr>
       <p:sp>
         <p:nvSpPr>
-          <p:cNvPr id="135" name="Google Shape;135;p19"/>
+          <p:cNvPr id="129" name="Google Shape;129;p19"/>
           <p:cNvSpPr/>
           <p:nvPr/>
         </p:nvSpPr>
@@ -19254,7 +18768,7 @@
       </p:sp>
       <p:sp>
         <p:nvSpPr>
-          <p:cNvPr id="136" name="Google Shape;136;p19"/>
+          <p:cNvPr id="130" name="Google Shape;130;p19"/>
           <p:cNvSpPr txBox="1"/>
           <p:nvPr>
             <p:ph type="title"/>
@@ -19380,107 +18894,9 @@
           </a:p>
         </p:txBody>
       </p:sp>
-      <p:grpSp>
-        <p:nvGrpSpPr>
-          <p:cNvPr id="137" name="Google Shape;137;p19"/>
-          <p:cNvGrpSpPr/>
-          <p:nvPr/>
-        </p:nvGrpSpPr>
-        <p:grpSpPr>
-          <a:xfrm>
-            <a:off x="6917336" y="4812275"/>
-            <a:ext cx="1613268" cy="288299"/>
-            <a:chOff x="805865" y="375582"/>
-            <a:chExt cx="4067745" cy="755700"/>
-          </a:xfrm>
-        </p:grpSpPr>
-        <p:pic>
-          <p:nvPicPr>
-            <p:cNvPr id="138" name="Google Shape;138;p19"/>
-            <p:cNvPicPr preferRelativeResize="0"/>
-            <p:nvPr/>
-          </p:nvPicPr>
-          <p:blipFill>
-            <a:blip r:embed="rId3">
-              <a:alphaModFix/>
-            </a:blip>
-            <a:stretch>
-              <a:fillRect/>
-            </a:stretch>
-          </p:blipFill>
-          <p:spPr>
-            <a:xfrm>
-              <a:off x="4029638" y="375582"/>
-              <a:ext cx="843973" cy="755700"/>
-            </a:xfrm>
-            <a:prstGeom prst="rect">
-              <a:avLst/>
-            </a:prstGeom>
-            <a:noFill/>
-            <a:ln>
-              <a:noFill/>
-            </a:ln>
-          </p:spPr>
-        </p:pic>
-        <p:pic>
-          <p:nvPicPr>
-            <p:cNvPr id="139" name="Google Shape;139;p19"/>
-            <p:cNvPicPr preferRelativeResize="0"/>
-            <p:nvPr/>
-          </p:nvPicPr>
-          <p:blipFill rotWithShape="1">
-            <a:blip r:embed="rId4">
-              <a:alphaModFix/>
-            </a:blip>
-            <a:srcRect b="18507" l="13651" r="0" t="49643"/>
-            <a:stretch/>
-          </p:blipFill>
-          <p:spPr>
-            <a:xfrm>
-              <a:off x="2569425" y="544250"/>
-              <a:ext cx="1295350" cy="455700"/>
-            </a:xfrm>
-            <a:prstGeom prst="rect">
-              <a:avLst/>
-            </a:prstGeom>
-            <a:noFill/>
-            <a:ln>
-              <a:noFill/>
-            </a:ln>
-          </p:spPr>
-        </p:pic>
-        <p:pic>
-          <p:nvPicPr>
-            <p:cNvPr id="140" name="Google Shape;140;p19"/>
-            <p:cNvPicPr preferRelativeResize="0"/>
-            <p:nvPr/>
-          </p:nvPicPr>
-          <p:blipFill>
-            <a:blip r:embed="rId5">
-              <a:alphaModFix/>
-            </a:blip>
-            <a:stretch>
-              <a:fillRect/>
-            </a:stretch>
-          </p:blipFill>
-          <p:spPr>
-            <a:xfrm>
-              <a:off x="805865" y="576415"/>
-              <a:ext cx="1522500" cy="372700"/>
-            </a:xfrm>
-            <a:prstGeom prst="rect">
-              <a:avLst/>
-            </a:prstGeom>
-            <a:noFill/>
-            <a:ln>
-              <a:noFill/>
-            </a:ln>
-          </p:spPr>
-        </p:pic>
-      </p:grpSp>
       <p:sp>
         <p:nvSpPr>
-          <p:cNvPr id="141" name="Google Shape;141;p19"/>
+          <p:cNvPr id="131" name="Google Shape;131;p19"/>
           <p:cNvSpPr txBox="1"/>
           <p:nvPr>
             <p:ph idx="1" type="body"/>
@@ -19780,6 +19196,77 @@
           </a:p>
         </p:txBody>
       </p:sp>
+      <p:grpSp>
+        <p:nvGrpSpPr>
+          <p:cNvPr id="132" name="Google Shape;132;p19"/>
+          <p:cNvGrpSpPr/>
+          <p:nvPr/>
+        </p:nvGrpSpPr>
+        <p:grpSpPr>
+          <a:xfrm>
+            <a:off x="7462201" y="4812275"/>
+            <a:ext cx="1068401" cy="288301"/>
+            <a:chOff x="7462201" y="4812275"/>
+            <a:chExt cx="1068401" cy="288301"/>
+          </a:xfrm>
+        </p:grpSpPr>
+        <p:pic>
+          <p:nvPicPr>
+            <p:cNvPr id="133" name="Google Shape;133;p19"/>
+            <p:cNvPicPr preferRelativeResize="0"/>
+            <p:nvPr/>
+          </p:nvPicPr>
+          <p:blipFill>
+            <a:blip r:embed="rId3">
+              <a:alphaModFix/>
+            </a:blip>
+            <a:stretch>
+              <a:fillRect/>
+            </a:stretch>
+          </p:blipFill>
+          <p:spPr>
+            <a:xfrm>
+              <a:off x="8195884" y="4812275"/>
+              <a:ext cx="334718" cy="288301"/>
+            </a:xfrm>
+            <a:prstGeom prst="rect">
+              <a:avLst/>
+            </a:prstGeom>
+            <a:noFill/>
+            <a:ln>
+              <a:noFill/>
+            </a:ln>
+          </p:spPr>
+        </p:pic>
+        <p:pic>
+          <p:nvPicPr>
+            <p:cNvPr id="134" name="Google Shape;134;p19"/>
+            <p:cNvPicPr preferRelativeResize="0"/>
+            <p:nvPr/>
+          </p:nvPicPr>
+          <p:blipFill>
+            <a:blip r:embed="rId4">
+              <a:alphaModFix/>
+            </a:blip>
+            <a:stretch>
+              <a:fillRect/>
+            </a:stretch>
+          </p:blipFill>
+          <p:spPr>
+            <a:xfrm>
+              <a:off x="7462201" y="4846024"/>
+              <a:ext cx="645825" cy="225525"/>
+            </a:xfrm>
+            <a:prstGeom prst="rect">
+              <a:avLst/>
+            </a:prstGeom>
+            <a:noFill/>
+            <a:ln>
+              <a:noFill/>
+            </a:ln>
+          </p:spPr>
+        </p:pic>
+      </p:grpSp>
     </p:spTree>
   </p:cSld>
   <p:clrMapOvr>
@@ -19793,7 +19280,7 @@
   <p:cSld>
     <p:spTree>
       <p:nvGrpSpPr>
-        <p:cNvPr id="145" name="Shape 145"/>
+        <p:cNvPr id="138" name="Shape 138"/>
         <p:cNvGrpSpPr/>
         <p:nvPr/>
       </p:nvGrpSpPr>
@@ -19807,7 +19294,7 @@
       </p:grpSpPr>
       <p:sp>
         <p:nvSpPr>
-          <p:cNvPr id="146" name="Google Shape;146;p20"/>
+          <p:cNvPr id="139" name="Google Shape;139;p20"/>
           <p:cNvSpPr/>
           <p:nvPr/>
         </p:nvSpPr>
@@ -19850,7 +19337,7 @@
       </p:sp>
       <p:sp>
         <p:nvSpPr>
-          <p:cNvPr id="147" name="Google Shape;147;p20"/>
+          <p:cNvPr id="140" name="Google Shape;140;p20"/>
           <p:cNvSpPr txBox="1"/>
           <p:nvPr>
             <p:ph type="title"/>
@@ -19976,107 +19463,9 @@
           </a:p>
         </p:txBody>
       </p:sp>
-      <p:grpSp>
-        <p:nvGrpSpPr>
-          <p:cNvPr id="148" name="Google Shape;148;p20"/>
-          <p:cNvGrpSpPr/>
-          <p:nvPr/>
-        </p:nvGrpSpPr>
-        <p:grpSpPr>
-          <a:xfrm>
-            <a:off x="6917336" y="4812275"/>
-            <a:ext cx="1613268" cy="288299"/>
-            <a:chOff x="805865" y="375582"/>
-            <a:chExt cx="4067745" cy="755700"/>
-          </a:xfrm>
-        </p:grpSpPr>
-        <p:pic>
-          <p:nvPicPr>
-            <p:cNvPr id="149" name="Google Shape;149;p20"/>
-            <p:cNvPicPr preferRelativeResize="0"/>
-            <p:nvPr/>
-          </p:nvPicPr>
-          <p:blipFill>
-            <a:blip r:embed="rId3">
-              <a:alphaModFix/>
-            </a:blip>
-            <a:stretch>
-              <a:fillRect/>
-            </a:stretch>
-          </p:blipFill>
-          <p:spPr>
-            <a:xfrm>
-              <a:off x="4029638" y="375582"/>
-              <a:ext cx="843973" cy="755700"/>
-            </a:xfrm>
-            <a:prstGeom prst="rect">
-              <a:avLst/>
-            </a:prstGeom>
-            <a:noFill/>
-            <a:ln>
-              <a:noFill/>
-            </a:ln>
-          </p:spPr>
-        </p:pic>
-        <p:pic>
-          <p:nvPicPr>
-            <p:cNvPr id="150" name="Google Shape;150;p20"/>
-            <p:cNvPicPr preferRelativeResize="0"/>
-            <p:nvPr/>
-          </p:nvPicPr>
-          <p:blipFill rotWithShape="1">
-            <a:blip r:embed="rId4">
-              <a:alphaModFix/>
-            </a:blip>
-            <a:srcRect b="18507" l="13651" r="0" t="49643"/>
-            <a:stretch/>
-          </p:blipFill>
-          <p:spPr>
-            <a:xfrm>
-              <a:off x="2569425" y="544250"/>
-              <a:ext cx="1295350" cy="455700"/>
-            </a:xfrm>
-            <a:prstGeom prst="rect">
-              <a:avLst/>
-            </a:prstGeom>
-            <a:noFill/>
-            <a:ln>
-              <a:noFill/>
-            </a:ln>
-          </p:spPr>
-        </p:pic>
-        <p:pic>
-          <p:nvPicPr>
-            <p:cNvPr id="151" name="Google Shape;151;p20"/>
-            <p:cNvPicPr preferRelativeResize="0"/>
-            <p:nvPr/>
-          </p:nvPicPr>
-          <p:blipFill>
-            <a:blip r:embed="rId5">
-              <a:alphaModFix/>
-            </a:blip>
-            <a:stretch>
-              <a:fillRect/>
-            </a:stretch>
-          </p:blipFill>
-          <p:spPr>
-            <a:xfrm>
-              <a:off x="805865" y="576415"/>
-              <a:ext cx="1522500" cy="372700"/>
-            </a:xfrm>
-            <a:prstGeom prst="rect">
-              <a:avLst/>
-            </a:prstGeom>
-            <a:noFill/>
-            <a:ln>
-              <a:noFill/>
-            </a:ln>
-          </p:spPr>
-        </p:pic>
-      </p:grpSp>
       <p:sp>
         <p:nvSpPr>
-          <p:cNvPr id="152" name="Google Shape;152;p20"/>
+          <p:cNvPr id="141" name="Google Shape;141;p20"/>
           <p:cNvSpPr txBox="1"/>
           <p:nvPr/>
         </p:nvSpPr>
@@ -20141,7 +19530,7 @@
       </p:sp>
       <p:sp>
         <p:nvSpPr>
-          <p:cNvPr id="153" name="Google Shape;153;p20"/>
+          <p:cNvPr id="142" name="Google Shape;142;p20"/>
           <p:cNvSpPr txBox="1"/>
           <p:nvPr/>
         </p:nvSpPr>
@@ -20227,7 +19616,7 @@
       </p:sp>
       <p:sp>
         <p:nvSpPr>
-          <p:cNvPr id="154" name="Google Shape;154;p20"/>
+          <p:cNvPr id="143" name="Google Shape;143;p20"/>
           <p:cNvSpPr txBox="1"/>
           <p:nvPr/>
         </p:nvSpPr>
@@ -20502,6 +19891,77 @@
           </a:p>
         </p:txBody>
       </p:sp>
+      <p:grpSp>
+        <p:nvGrpSpPr>
+          <p:cNvPr id="144" name="Google Shape;144;p20"/>
+          <p:cNvGrpSpPr/>
+          <p:nvPr/>
+        </p:nvGrpSpPr>
+        <p:grpSpPr>
+          <a:xfrm>
+            <a:off x="7462201" y="4812275"/>
+            <a:ext cx="1068401" cy="288301"/>
+            <a:chOff x="7462201" y="4812275"/>
+            <a:chExt cx="1068401" cy="288301"/>
+          </a:xfrm>
+        </p:grpSpPr>
+        <p:pic>
+          <p:nvPicPr>
+            <p:cNvPr id="145" name="Google Shape;145;p20"/>
+            <p:cNvPicPr preferRelativeResize="0"/>
+            <p:nvPr/>
+          </p:nvPicPr>
+          <p:blipFill>
+            <a:blip r:embed="rId3">
+              <a:alphaModFix/>
+            </a:blip>
+            <a:stretch>
+              <a:fillRect/>
+            </a:stretch>
+          </p:blipFill>
+          <p:spPr>
+            <a:xfrm>
+              <a:off x="8195884" y="4812275"/>
+              <a:ext cx="334718" cy="288301"/>
+            </a:xfrm>
+            <a:prstGeom prst="rect">
+              <a:avLst/>
+            </a:prstGeom>
+            <a:noFill/>
+            <a:ln>
+              <a:noFill/>
+            </a:ln>
+          </p:spPr>
+        </p:pic>
+        <p:pic>
+          <p:nvPicPr>
+            <p:cNvPr id="146" name="Google Shape;146;p20"/>
+            <p:cNvPicPr preferRelativeResize="0"/>
+            <p:nvPr/>
+          </p:nvPicPr>
+          <p:blipFill>
+            <a:blip r:embed="rId4">
+              <a:alphaModFix/>
+            </a:blip>
+            <a:stretch>
+              <a:fillRect/>
+            </a:stretch>
+          </p:blipFill>
+          <p:spPr>
+            <a:xfrm>
+              <a:off x="7462201" y="4846024"/>
+              <a:ext cx="645825" cy="225525"/>
+            </a:xfrm>
+            <a:prstGeom prst="rect">
+              <a:avLst/>
+            </a:prstGeom>
+            <a:noFill/>
+            <a:ln>
+              <a:noFill/>
+            </a:ln>
+          </p:spPr>
+        </p:pic>
+      </p:grpSp>
     </p:spTree>
   </p:cSld>
   <p:clrMapOvr>
@@ -20515,7 +19975,7 @@
   <p:cSld>
     <p:spTree>
       <p:nvGrpSpPr>
-        <p:cNvPr id="158" name="Shape 158"/>
+        <p:cNvPr id="150" name="Shape 150"/>
         <p:cNvGrpSpPr/>
         <p:nvPr/>
       </p:nvGrpSpPr>
@@ -20529,7 +19989,7 @@
       </p:grpSpPr>
       <p:sp>
         <p:nvSpPr>
-          <p:cNvPr id="159" name="Google Shape;159;p21"/>
+          <p:cNvPr id="151" name="Google Shape;151;p21"/>
           <p:cNvSpPr/>
           <p:nvPr/>
         </p:nvSpPr>
@@ -20572,7 +20032,7 @@
       </p:sp>
       <p:sp>
         <p:nvSpPr>
-          <p:cNvPr id="160" name="Google Shape;160;p21"/>
+          <p:cNvPr id="152" name="Google Shape;152;p21"/>
           <p:cNvSpPr txBox="1"/>
           <p:nvPr>
             <p:ph type="title"/>
@@ -20698,107 +20158,9 @@
           </a:p>
         </p:txBody>
       </p:sp>
-      <p:grpSp>
-        <p:nvGrpSpPr>
-          <p:cNvPr id="161" name="Google Shape;161;p21"/>
-          <p:cNvGrpSpPr/>
-          <p:nvPr/>
-        </p:nvGrpSpPr>
-        <p:grpSpPr>
-          <a:xfrm>
-            <a:off x="6917336" y="4812275"/>
-            <a:ext cx="1613268" cy="288299"/>
-            <a:chOff x="805865" y="375582"/>
-            <a:chExt cx="4067745" cy="755700"/>
-          </a:xfrm>
-        </p:grpSpPr>
-        <p:pic>
-          <p:nvPicPr>
-            <p:cNvPr id="162" name="Google Shape;162;p21"/>
-            <p:cNvPicPr preferRelativeResize="0"/>
-            <p:nvPr/>
-          </p:nvPicPr>
-          <p:blipFill>
-            <a:blip r:embed="rId3">
-              <a:alphaModFix/>
-            </a:blip>
-            <a:stretch>
-              <a:fillRect/>
-            </a:stretch>
-          </p:blipFill>
-          <p:spPr>
-            <a:xfrm>
-              <a:off x="4029638" y="375582"/>
-              <a:ext cx="843973" cy="755700"/>
-            </a:xfrm>
-            <a:prstGeom prst="rect">
-              <a:avLst/>
-            </a:prstGeom>
-            <a:noFill/>
-            <a:ln>
-              <a:noFill/>
-            </a:ln>
-          </p:spPr>
-        </p:pic>
-        <p:pic>
-          <p:nvPicPr>
-            <p:cNvPr id="163" name="Google Shape;163;p21"/>
-            <p:cNvPicPr preferRelativeResize="0"/>
-            <p:nvPr/>
-          </p:nvPicPr>
-          <p:blipFill rotWithShape="1">
-            <a:blip r:embed="rId4">
-              <a:alphaModFix/>
-            </a:blip>
-            <a:srcRect b="18507" l="13651" r="0" t="49643"/>
-            <a:stretch/>
-          </p:blipFill>
-          <p:spPr>
-            <a:xfrm>
-              <a:off x="2569425" y="544250"/>
-              <a:ext cx="1295350" cy="455700"/>
-            </a:xfrm>
-            <a:prstGeom prst="rect">
-              <a:avLst/>
-            </a:prstGeom>
-            <a:noFill/>
-            <a:ln>
-              <a:noFill/>
-            </a:ln>
-          </p:spPr>
-        </p:pic>
-        <p:pic>
-          <p:nvPicPr>
-            <p:cNvPr id="164" name="Google Shape;164;p21"/>
-            <p:cNvPicPr preferRelativeResize="0"/>
-            <p:nvPr/>
-          </p:nvPicPr>
-          <p:blipFill>
-            <a:blip r:embed="rId5">
-              <a:alphaModFix/>
-            </a:blip>
-            <a:stretch>
-              <a:fillRect/>
-            </a:stretch>
-          </p:blipFill>
-          <p:spPr>
-            <a:xfrm>
-              <a:off x="805865" y="576415"/>
-              <a:ext cx="1522500" cy="372700"/>
-            </a:xfrm>
-            <a:prstGeom prst="rect">
-              <a:avLst/>
-            </a:prstGeom>
-            <a:noFill/>
-            <a:ln>
-              <a:noFill/>
-            </a:ln>
-          </p:spPr>
-        </p:pic>
-      </p:grpSp>
       <p:sp>
         <p:nvSpPr>
-          <p:cNvPr id="165" name="Google Shape;165;p21"/>
+          <p:cNvPr id="153" name="Google Shape;153;p21"/>
           <p:cNvSpPr txBox="1"/>
           <p:nvPr/>
         </p:nvSpPr>
@@ -20863,7 +20225,7 @@
       </p:sp>
       <p:sp>
         <p:nvSpPr>
-          <p:cNvPr id="166" name="Google Shape;166;p21"/>
+          <p:cNvPr id="154" name="Google Shape;154;p21"/>
           <p:cNvSpPr txBox="1"/>
           <p:nvPr/>
         </p:nvSpPr>
@@ -20949,7 +20311,7 @@
       </p:sp>
       <p:sp>
         <p:nvSpPr>
-          <p:cNvPr id="167" name="Google Shape;167;p21"/>
+          <p:cNvPr id="155" name="Google Shape;155;p21"/>
           <p:cNvSpPr txBox="1"/>
           <p:nvPr/>
         </p:nvSpPr>
@@ -21201,6 +20563,77 @@
           </a:p>
         </p:txBody>
       </p:sp>
+      <p:grpSp>
+        <p:nvGrpSpPr>
+          <p:cNvPr id="156" name="Google Shape;156;p21"/>
+          <p:cNvGrpSpPr/>
+          <p:nvPr/>
+        </p:nvGrpSpPr>
+        <p:grpSpPr>
+          <a:xfrm>
+            <a:off x="7462201" y="4812275"/>
+            <a:ext cx="1068401" cy="288301"/>
+            <a:chOff x="7462201" y="4812275"/>
+            <a:chExt cx="1068401" cy="288301"/>
+          </a:xfrm>
+        </p:grpSpPr>
+        <p:pic>
+          <p:nvPicPr>
+            <p:cNvPr id="157" name="Google Shape;157;p21"/>
+            <p:cNvPicPr preferRelativeResize="0"/>
+            <p:nvPr/>
+          </p:nvPicPr>
+          <p:blipFill>
+            <a:blip r:embed="rId3">
+              <a:alphaModFix/>
+            </a:blip>
+            <a:stretch>
+              <a:fillRect/>
+            </a:stretch>
+          </p:blipFill>
+          <p:spPr>
+            <a:xfrm>
+              <a:off x="8195884" y="4812275"/>
+              <a:ext cx="334718" cy="288301"/>
+            </a:xfrm>
+            <a:prstGeom prst="rect">
+              <a:avLst/>
+            </a:prstGeom>
+            <a:noFill/>
+            <a:ln>
+              <a:noFill/>
+            </a:ln>
+          </p:spPr>
+        </p:pic>
+        <p:pic>
+          <p:nvPicPr>
+            <p:cNvPr id="158" name="Google Shape;158;p21"/>
+            <p:cNvPicPr preferRelativeResize="0"/>
+            <p:nvPr/>
+          </p:nvPicPr>
+          <p:blipFill>
+            <a:blip r:embed="rId4">
+              <a:alphaModFix/>
+            </a:blip>
+            <a:stretch>
+              <a:fillRect/>
+            </a:stretch>
+          </p:blipFill>
+          <p:spPr>
+            <a:xfrm>
+              <a:off x="7462201" y="4846024"/>
+              <a:ext cx="645825" cy="225525"/>
+            </a:xfrm>
+            <a:prstGeom prst="rect">
+              <a:avLst/>
+            </a:prstGeom>
+            <a:noFill/>
+            <a:ln>
+              <a:noFill/>
+            </a:ln>
+          </p:spPr>
+        </p:pic>
+      </p:grpSp>
     </p:spTree>
   </p:cSld>
   <p:clrMapOvr>
@@ -21210,6 +20643,285 @@
 </file>
 
 <file path=ppt/theme/theme1.xml><?xml version="1.0" encoding="utf-8"?>
+<a:theme xmlns:a="http://schemas.openxmlformats.org/drawingml/2006/main" xmlns:r="http://schemas.openxmlformats.org/officeDocument/2006/relationships">
+  <a:themeElements>
+    <a:clrScheme name="Default">
+      <a:dk1>
+        <a:srgbClr val="000000"/>
+      </a:dk1>
+      <a:lt1>
+        <a:srgbClr val="FFFFFF"/>
+      </a:lt1>
+      <a:dk2>
+        <a:srgbClr val="158158"/>
+      </a:dk2>
+      <a:lt2>
+        <a:srgbClr val="F3F3F3"/>
+      </a:lt2>
+      <a:accent1>
+        <a:srgbClr val="058DC7"/>
+      </a:accent1>
+      <a:accent2>
+        <a:srgbClr val="50B432"/>
+      </a:accent2>
+      <a:accent3>
+        <a:srgbClr val="ED561B"/>
+      </a:accent3>
+      <a:accent4>
+        <a:srgbClr val="EDEF00"/>
+      </a:accent4>
+      <a:accent5>
+        <a:srgbClr val="24CBE5"/>
+      </a:accent5>
+      <a:accent6>
+        <a:srgbClr val="64E572"/>
+      </a:accent6>
+      <a:hlink>
+        <a:srgbClr val="2200CC"/>
+      </a:hlink>
+      <a:folHlink>
+        <a:srgbClr val="551A8B"/>
+      </a:folHlink>
+    </a:clrScheme>
+    <a:fontScheme name="Office">
+      <a:majorFont>
+        <a:latin typeface="Arial"/>
+        <a:ea typeface=""/>
+        <a:cs typeface=""/>
+        <a:font script="Jpan" typeface="ＭＳ Ｐゴシック"/>
+        <a:font script="Hang" typeface="맑은 고딕"/>
+        <a:font script="Hans" typeface="宋体"/>
+        <a:font script="Hant" typeface="新細明體"/>
+        <a:font script="Arab" typeface="Times New Roman"/>
+        <a:font script="Hebr" typeface="Times New Roman"/>
+        <a:font script="Thai" typeface="Angsana New"/>
+        <a:font script="Ethi" typeface="Nyala"/>
+        <a:font script="Beng" typeface="Vrinda"/>
+        <a:font script="Gujr" typeface="Shruti"/>
+        <a:font script="Khmr" typeface="MoolBoran"/>
+        <a:font script="Knda" typeface="Tunga"/>
+        <a:font script="Guru" typeface="Raavi"/>
+        <a:font script="Cans" typeface="Euphemia"/>
+        <a:font script="Cher" typeface="Plantagenet Cherokee"/>
+        <a:font script="Yiii" typeface="Microsoft Yi Baiti"/>
+        <a:font script="Tibt" typeface="Microsoft Himalaya"/>
+        <a:font script="Thaa" typeface="MV Boli"/>
+        <a:font script="Deva" typeface="Mangal"/>
+        <a:font script="Telu" typeface="Gautami"/>
+        <a:font script="Taml" typeface="Latha"/>
+        <a:font script="Syrc" typeface="Estrangelo Edessa"/>
+        <a:font script="Orya" typeface="Kalinga"/>
+        <a:font script="Mlym" typeface="Kartika"/>
+        <a:font script="Laoo" typeface="DokChampa"/>
+        <a:font script="Sinh" typeface="Iskoola Pota"/>
+        <a:font script="Mong" typeface="Mongolian Baiti"/>
+        <a:font script="Viet" typeface="Times New Roman"/>
+        <a:font script="Uigh" typeface="Microsoft Uighur"/>
+        <a:font script="Geor" typeface="Sylfaen"/>
+      </a:majorFont>
+      <a:minorFont>
+        <a:latin typeface="Arial"/>
+        <a:ea typeface=""/>
+        <a:cs typeface=""/>
+        <a:font script="Jpan" typeface="ＭＳ Ｐゴシック"/>
+        <a:font script="Hang" typeface="맑은 고딕"/>
+        <a:font script="Hans" typeface="宋体"/>
+        <a:font script="Hant" typeface="新細明體"/>
+        <a:font script="Arab" typeface="Arial"/>
+        <a:font script="Hebr" typeface="Arial"/>
+        <a:font script="Thai" typeface="Cordia New"/>
+        <a:font script="Ethi" typeface="Nyala"/>
+        <a:font script="Beng" typeface="Vrinda"/>
+        <a:font script="Gujr" typeface="Shruti"/>
+        <a:font script="Khmr" typeface="DaunPenh"/>
+        <a:font script="Knda" typeface="Tunga"/>
+        <a:font script="Guru" typeface="Raavi"/>
+        <a:font script="Cans" typeface="Euphemia"/>
+        <a:font script="Cher" typeface="Plantagenet Cherokee"/>
+        <a:font script="Yiii" typeface="Microsoft Yi Baiti"/>
+        <a:font script="Tibt" typeface="Microsoft Himalaya"/>
+        <a:font script="Thaa" typeface="MV Boli"/>
+        <a:font script="Deva" typeface="Mangal"/>
+        <a:font script="Telu" typeface="Gautami"/>
+        <a:font script="Taml" typeface="Latha"/>
+        <a:font script="Syrc" typeface="Estrangelo Edessa"/>
+        <a:font script="Orya" typeface="Kalinga"/>
+        <a:font script="Mlym" typeface="Kartika"/>
+        <a:font script="Laoo" typeface="DokChampa"/>
+        <a:font script="Sinh" typeface="Iskoola Pota"/>
+        <a:font script="Mong" typeface="Mongolian Baiti"/>
+        <a:font script="Viet" typeface="Arial"/>
+        <a:font script="Uigh" typeface="Microsoft Uighur"/>
+        <a:font script="Geor" typeface="Sylfaen"/>
+      </a:minorFont>
+    </a:fontScheme>
+    <a:fmtScheme name="Office">
+      <a:fillStyleLst>
+        <a:solidFill>
+          <a:schemeClr val="phClr"/>
+        </a:solidFill>
+        <a:gradFill rotWithShape="1">
+          <a:gsLst>
+            <a:gs pos="0">
+              <a:schemeClr val="phClr">
+                <a:tint val="50000"/>
+                <a:satMod val="300000"/>
+              </a:schemeClr>
+            </a:gs>
+            <a:gs pos="35000">
+              <a:schemeClr val="phClr">
+                <a:tint val="37000"/>
+                <a:satMod val="300000"/>
+              </a:schemeClr>
+            </a:gs>
+            <a:gs pos="100000">
+              <a:schemeClr val="phClr">
+                <a:tint val="15000"/>
+                <a:satMod val="350000"/>
+              </a:schemeClr>
+            </a:gs>
+          </a:gsLst>
+          <a:lin ang="16200000" scaled="1"/>
+        </a:gradFill>
+        <a:gradFill rotWithShape="1">
+          <a:gsLst>
+            <a:gs pos="0">
+              <a:schemeClr val="phClr">
+                <a:tint val="100000"/>
+                <a:shade val="100000"/>
+                <a:satMod val="130000"/>
+              </a:schemeClr>
+            </a:gs>
+            <a:gs pos="100000">
+              <a:schemeClr val="phClr">
+                <a:tint val="50000"/>
+                <a:shade val="100000"/>
+                <a:satMod val="350000"/>
+              </a:schemeClr>
+            </a:gs>
+          </a:gsLst>
+          <a:lin ang="16200000" scaled="0"/>
+        </a:gradFill>
+      </a:fillStyleLst>
+      <a:lnStyleLst>
+        <a:ln w="9525" cap="flat" cmpd="sng" algn="ctr">
+          <a:solidFill>
+            <a:schemeClr val="phClr">
+              <a:shade val="95000"/>
+              <a:satMod val="105000"/>
+            </a:schemeClr>
+          </a:solidFill>
+          <a:prstDash val="solid"/>
+        </a:ln>
+        <a:ln w="25400" cap="flat" cmpd="sng" algn="ctr">
+          <a:solidFill>
+            <a:schemeClr val="phClr"/>
+          </a:solidFill>
+          <a:prstDash val="solid"/>
+        </a:ln>
+        <a:ln w="38100" cap="flat" cmpd="sng" algn="ctr">
+          <a:solidFill>
+            <a:schemeClr val="phClr"/>
+          </a:solidFill>
+          <a:prstDash val="solid"/>
+        </a:ln>
+      </a:lnStyleLst>
+      <a:effectStyleLst>
+        <a:effectStyle>
+          <a:effectLst>
+            <a:outerShdw blurRad="40000" dist="20000" dir="5400000" rotWithShape="0">
+              <a:srgbClr val="000000">
+                <a:alpha val="38000"/>
+              </a:srgbClr>
+            </a:outerShdw>
+          </a:effectLst>
+        </a:effectStyle>
+        <a:effectStyle>
+          <a:effectLst>
+            <a:outerShdw blurRad="40000" dist="23000" dir="5400000" rotWithShape="0">
+              <a:srgbClr val="000000">
+                <a:alpha val="35000"/>
+              </a:srgbClr>
+            </a:outerShdw>
+          </a:effectLst>
+        </a:effectStyle>
+        <a:effectStyle>
+          <a:effectLst>
+            <a:outerShdw blurRad="40000" dist="23000" dir="5400000" rotWithShape="0">
+              <a:srgbClr val="000000">
+                <a:alpha val="35000"/>
+              </a:srgbClr>
+            </a:outerShdw>
+          </a:effectLst>
+          <a:scene3d>
+            <a:camera prst="orthographicFront">
+              <a:rot lat="0" lon="0" rev="0"/>
+            </a:camera>
+            <a:lightRig rig="threePt" dir="t">
+              <a:rot lat="0" lon="0" rev="1200000"/>
+            </a:lightRig>
+          </a:scene3d>
+          <a:sp3d>
+            <a:bevelT w="63500" h="25400"/>
+          </a:sp3d>
+        </a:effectStyle>
+      </a:effectStyleLst>
+      <a:bgFillStyleLst>
+        <a:solidFill>
+          <a:schemeClr val="phClr"/>
+        </a:solidFill>
+        <a:gradFill rotWithShape="1">
+          <a:gsLst>
+            <a:gs pos="0">
+              <a:schemeClr val="phClr">
+                <a:tint val="40000"/>
+                <a:satMod val="350000"/>
+              </a:schemeClr>
+            </a:gs>
+            <a:gs pos="40000">
+              <a:schemeClr val="phClr">
+                <a:tint val="45000"/>
+                <a:shade val="99000"/>
+                <a:satMod val="350000"/>
+              </a:schemeClr>
+            </a:gs>
+            <a:gs pos="100000">
+              <a:schemeClr val="phClr">
+                <a:shade val="20000"/>
+                <a:satMod val="255000"/>
+              </a:schemeClr>
+            </a:gs>
+          </a:gsLst>
+          <a:path path="circle">
+            <a:fillToRect l="50000" t="-80000" r="50000" b="180000"/>
+          </a:path>
+        </a:gradFill>
+        <a:gradFill rotWithShape="1">
+          <a:gsLst>
+            <a:gs pos="0">
+              <a:schemeClr val="phClr">
+                <a:tint val="80000"/>
+                <a:satMod val="300000"/>
+              </a:schemeClr>
+            </a:gs>
+            <a:gs pos="100000">
+              <a:schemeClr val="phClr">
+                <a:shade val="30000"/>
+                <a:satMod val="200000"/>
+              </a:schemeClr>
+            </a:gs>
+          </a:gsLst>
+          <a:path path="circle">
+            <a:fillToRect l="50000" t="50000" r="50000" b="50000"/>
+          </a:path>
+        </a:gradFill>
+      </a:bgFillStyleLst>
+    </a:fmtScheme>
+  </a:themeElements>
+</a:theme>
+</file>
+
+<file path=ppt/theme/theme2.xml><?xml version="1.0" encoding="utf-8"?>
 <a:theme xmlns:a="http://schemas.openxmlformats.org/drawingml/2006/main" xmlns:r="http://schemas.openxmlformats.org/officeDocument/2006/relationships" name="Simple Light">
   <a:themeElements>
     <a:clrScheme name="Simple Light">
@@ -21486,283 +21198,4 @@
     </a:fmtScheme>
   </a:themeElements>
 </a:theme>
-</file>
-
-<file path=ppt/theme/theme2.xml><?xml version="1.0" encoding="utf-8"?>
-<a:theme xmlns:a="http://schemas.openxmlformats.org/drawingml/2006/main" xmlns:r="http://schemas.openxmlformats.org/officeDocument/2006/relationships">
-  <a:themeElements>
-    <a:clrScheme name="Default">
-      <a:dk1>
-        <a:srgbClr val="000000"/>
-      </a:dk1>
-      <a:lt1>
-        <a:srgbClr val="FFFFFF"/>
-      </a:lt1>
-      <a:dk2>
-        <a:srgbClr val="158158"/>
-      </a:dk2>
-      <a:lt2>
-        <a:srgbClr val="F3F3F3"/>
-      </a:lt2>
-      <a:accent1>
-        <a:srgbClr val="058DC7"/>
-      </a:accent1>
-      <a:accent2>
-        <a:srgbClr val="50B432"/>
-      </a:accent2>
-      <a:accent3>
-        <a:srgbClr val="ED561B"/>
-      </a:accent3>
-      <a:accent4>
-        <a:srgbClr val="EDEF00"/>
-      </a:accent4>
-      <a:accent5>
-        <a:srgbClr val="24CBE5"/>
-      </a:accent5>
-      <a:accent6>
-        <a:srgbClr val="64E572"/>
-      </a:accent6>
-      <a:hlink>
-        <a:srgbClr val="2200CC"/>
-      </a:hlink>
-      <a:folHlink>
-        <a:srgbClr val="551A8B"/>
-      </a:folHlink>
-    </a:clrScheme>
-    <a:fontScheme name="Office">
-      <a:majorFont>
-        <a:latin typeface="Arial"/>
-        <a:ea typeface=""/>
-        <a:cs typeface=""/>
-        <a:font script="Jpan" typeface="ＭＳ Ｐゴシック"/>
-        <a:font script="Hang" typeface="맑은 고딕"/>
-        <a:font script="Hans" typeface="宋体"/>
-        <a:font script="Hant" typeface="新細明體"/>
-        <a:font script="Arab" typeface="Times New Roman"/>
-        <a:font script="Hebr" typeface="Times New Roman"/>
-        <a:font script="Thai" typeface="Angsana New"/>
-        <a:font script="Ethi" typeface="Nyala"/>
-        <a:font script="Beng" typeface="Vrinda"/>
-        <a:font script="Gujr" typeface="Shruti"/>
-        <a:font script="Khmr" typeface="MoolBoran"/>
-        <a:font script="Knda" typeface="Tunga"/>
-        <a:font script="Guru" typeface="Raavi"/>
-        <a:font script="Cans" typeface="Euphemia"/>
-        <a:font script="Cher" typeface="Plantagenet Cherokee"/>
-        <a:font script="Yiii" typeface="Microsoft Yi Baiti"/>
-        <a:font script="Tibt" typeface="Microsoft Himalaya"/>
-        <a:font script="Thaa" typeface="MV Boli"/>
-        <a:font script="Deva" typeface="Mangal"/>
-        <a:font script="Telu" typeface="Gautami"/>
-        <a:font script="Taml" typeface="Latha"/>
-        <a:font script="Syrc" typeface="Estrangelo Edessa"/>
-        <a:font script="Orya" typeface="Kalinga"/>
-        <a:font script="Mlym" typeface="Kartika"/>
-        <a:font script="Laoo" typeface="DokChampa"/>
-        <a:font script="Sinh" typeface="Iskoola Pota"/>
-        <a:font script="Mong" typeface="Mongolian Baiti"/>
-        <a:font script="Viet" typeface="Times New Roman"/>
-        <a:font script="Uigh" typeface="Microsoft Uighur"/>
-        <a:font script="Geor" typeface="Sylfaen"/>
-      </a:majorFont>
-      <a:minorFont>
-        <a:latin typeface="Arial"/>
-        <a:ea typeface=""/>
-        <a:cs typeface=""/>
-        <a:font script="Jpan" typeface="ＭＳ Ｐゴシック"/>
-        <a:font script="Hang" typeface="맑은 고딕"/>
-        <a:font script="Hans" typeface="宋体"/>
-        <a:font script="Hant" typeface="新細明體"/>
-        <a:font script="Arab" typeface="Arial"/>
-        <a:font script="Hebr" typeface="Arial"/>
-        <a:font script="Thai" typeface="Cordia New"/>
-        <a:font script="Ethi" typeface="Nyala"/>
-        <a:font script="Beng" typeface="Vrinda"/>
-        <a:font script="Gujr" typeface="Shruti"/>
-        <a:font script="Khmr" typeface="DaunPenh"/>
-        <a:font script="Knda" typeface="Tunga"/>
-        <a:font script="Guru" typeface="Raavi"/>
-        <a:font script="Cans" typeface="Euphemia"/>
-        <a:font script="Cher" typeface="Plantagenet Cherokee"/>
-        <a:font script="Yiii" typeface="Microsoft Yi Baiti"/>
-        <a:font script="Tibt" typeface="Microsoft Himalaya"/>
-        <a:font script="Thaa" typeface="MV Boli"/>
-        <a:font script="Deva" typeface="Mangal"/>
-        <a:font script="Telu" typeface="Gautami"/>
-        <a:font script="Taml" typeface="Latha"/>
-        <a:font script="Syrc" typeface="Estrangelo Edessa"/>
-        <a:font script="Orya" typeface="Kalinga"/>
-        <a:font script="Mlym" typeface="Kartika"/>
-        <a:font script="Laoo" typeface="DokChampa"/>
-        <a:font script="Sinh" typeface="Iskoola Pota"/>
-        <a:font script="Mong" typeface="Mongolian Baiti"/>
-        <a:font script="Viet" typeface="Arial"/>
-        <a:font script="Uigh" typeface="Microsoft Uighur"/>
-        <a:font script="Geor" typeface="Sylfaen"/>
-      </a:minorFont>
-    </a:fontScheme>
-    <a:fmtScheme name="Office">
-      <a:fillStyleLst>
-        <a:solidFill>
-          <a:schemeClr val="phClr"/>
-        </a:solidFill>
-        <a:gradFill rotWithShape="1">
-          <a:gsLst>
-            <a:gs pos="0">
-              <a:schemeClr val="phClr">
-                <a:tint val="50000"/>
-                <a:satMod val="300000"/>
-              </a:schemeClr>
-            </a:gs>
-            <a:gs pos="35000">
-              <a:schemeClr val="phClr">
-                <a:tint val="37000"/>
-                <a:satMod val="300000"/>
-              </a:schemeClr>
-            </a:gs>
-            <a:gs pos="100000">
-              <a:schemeClr val="phClr">
-                <a:tint val="15000"/>
-                <a:satMod val="350000"/>
-              </a:schemeClr>
-            </a:gs>
-          </a:gsLst>
-          <a:lin ang="16200000" scaled="1"/>
-        </a:gradFill>
-        <a:gradFill rotWithShape="1">
-          <a:gsLst>
-            <a:gs pos="0">
-              <a:schemeClr val="phClr">
-                <a:tint val="100000"/>
-                <a:shade val="100000"/>
-                <a:satMod val="130000"/>
-              </a:schemeClr>
-            </a:gs>
-            <a:gs pos="100000">
-              <a:schemeClr val="phClr">
-                <a:tint val="50000"/>
-                <a:shade val="100000"/>
-                <a:satMod val="350000"/>
-              </a:schemeClr>
-            </a:gs>
-          </a:gsLst>
-          <a:lin ang="16200000" scaled="0"/>
-        </a:gradFill>
-      </a:fillStyleLst>
-      <a:lnStyleLst>
-        <a:ln w="9525" cap="flat" cmpd="sng" algn="ctr">
-          <a:solidFill>
-            <a:schemeClr val="phClr">
-              <a:shade val="95000"/>
-              <a:satMod val="105000"/>
-            </a:schemeClr>
-          </a:solidFill>
-          <a:prstDash val="solid"/>
-        </a:ln>
-        <a:ln w="25400" cap="flat" cmpd="sng" algn="ctr">
-          <a:solidFill>
-            <a:schemeClr val="phClr"/>
-          </a:solidFill>
-          <a:prstDash val="solid"/>
-        </a:ln>
-        <a:ln w="38100" cap="flat" cmpd="sng" algn="ctr">
-          <a:solidFill>
-            <a:schemeClr val="phClr"/>
-          </a:solidFill>
-          <a:prstDash val="solid"/>
-        </a:ln>
-      </a:lnStyleLst>
-      <a:effectStyleLst>
-        <a:effectStyle>
-          <a:effectLst>
-            <a:outerShdw blurRad="40000" dist="20000" dir="5400000" rotWithShape="0">
-              <a:srgbClr val="000000">
-                <a:alpha val="38000"/>
-              </a:srgbClr>
-            </a:outerShdw>
-          </a:effectLst>
-        </a:effectStyle>
-        <a:effectStyle>
-          <a:effectLst>
-            <a:outerShdw blurRad="40000" dist="23000" dir="5400000" rotWithShape="0">
-              <a:srgbClr val="000000">
-                <a:alpha val="35000"/>
-              </a:srgbClr>
-            </a:outerShdw>
-          </a:effectLst>
-        </a:effectStyle>
-        <a:effectStyle>
-          <a:effectLst>
-            <a:outerShdw blurRad="40000" dist="23000" dir="5400000" rotWithShape="0">
-              <a:srgbClr val="000000">
-                <a:alpha val="35000"/>
-              </a:srgbClr>
-            </a:outerShdw>
-          </a:effectLst>
-          <a:scene3d>
-            <a:camera prst="orthographicFront">
-              <a:rot lat="0" lon="0" rev="0"/>
-            </a:camera>
-            <a:lightRig rig="threePt" dir="t">
-              <a:rot lat="0" lon="0" rev="1200000"/>
-            </a:lightRig>
-          </a:scene3d>
-          <a:sp3d>
-            <a:bevelT w="63500" h="25400"/>
-          </a:sp3d>
-        </a:effectStyle>
-      </a:effectStyleLst>
-      <a:bgFillStyleLst>
-        <a:solidFill>
-          <a:schemeClr val="phClr"/>
-        </a:solidFill>
-        <a:gradFill rotWithShape="1">
-          <a:gsLst>
-            <a:gs pos="0">
-              <a:schemeClr val="phClr">
-                <a:tint val="40000"/>
-                <a:satMod val="350000"/>
-              </a:schemeClr>
-            </a:gs>
-            <a:gs pos="40000">
-              <a:schemeClr val="phClr">
-                <a:tint val="45000"/>
-                <a:shade val="99000"/>
-                <a:satMod val="350000"/>
-              </a:schemeClr>
-            </a:gs>
-            <a:gs pos="100000">
-              <a:schemeClr val="phClr">
-                <a:shade val="20000"/>
-                <a:satMod val="255000"/>
-              </a:schemeClr>
-            </a:gs>
-          </a:gsLst>
-          <a:path path="circle">
-            <a:fillToRect l="50000" t="-80000" r="50000" b="180000"/>
-          </a:path>
-        </a:gradFill>
-        <a:gradFill rotWithShape="1">
-          <a:gsLst>
-            <a:gs pos="0">
-              <a:schemeClr val="phClr">
-                <a:tint val="80000"/>
-                <a:satMod val="300000"/>
-              </a:schemeClr>
-            </a:gs>
-            <a:gs pos="100000">
-              <a:schemeClr val="phClr">
-                <a:shade val="30000"/>
-                <a:satMod val="200000"/>
-              </a:schemeClr>
-            </a:gs>
-          </a:gsLst>
-          <a:path path="circle">
-            <a:fillToRect l="50000" t="50000" r="50000" b="50000"/>
-          </a:path>
-        </a:gradFill>
-      </a:bgFillStyleLst>
-    </a:fmtScheme>
-  </a:themeElements>
-</a:theme>
 </file>